--- a/FoSSC/SCORE Poster.pptx
+++ b/FoSSC/SCORE Poster.pptx
@@ -118,12 +118,13 @@
 <file path=ppt/revisionInfo.xml><?xml version="1.0" encoding="utf-8"?>
 <p1510:revInfo xmlns:a="http://schemas.openxmlformats.org/drawingml/2006/main" xmlns:r="http://schemas.openxmlformats.org/officeDocument/2006/relationships" xmlns:p1510="http://schemas.microsoft.com/office/powerpoint/2015/10/main">
   <p1510:revLst>
-    <p1510:client id="{3B34B082-B529-9444-839E-F423DFD38570}" v="1484" dt="2024-04-18T18:43:33.589"/>
+    <p1510:client id="{3B34B082-B529-9444-839E-F423DFD38570}" v="1485" dt="2024-04-19T17:47:52.459"/>
     <p1510:client id="{3B90C7AA-D6B7-4D5A-C603-575E5A484CD7}" v="332" dt="2024-04-18T18:52:37.560"/>
     <p1510:client id="{4C8C3321-FE1B-7F05-EB94-FF60EF4621CE}" v="6" dt="2024-04-17T22:04:22.225"/>
     <p1510:client id="{AA81A674-E2DD-E841-ABD4-C208366E61E1}" v="395" dt="2024-04-18T15:41:34.451"/>
     <p1510:client id="{D427E90B-B14E-DC76-DB12-8223FCAF3AD9}" v="4" dt="2024-04-17T22:04:59.121"/>
     <p1510:client id="{DA660CEC-A7B8-8EFB-5BF5-8C3EEE9F371E}" v="15" dt="2024-04-17T22:16:36.646"/>
+    <p1510:client id="{F9146E4B-C7AC-77A7-5522-5492ED2970B4}" v="1029" dt="2024-04-19T17:46:04.317"/>
   </p1510:revLst>
 </p1510:revInfo>
 </file>
@@ -3635,8 +3636,8 @@
     <p:bg>
       <p:bgPr>
         <a:solidFill>
-          <a:schemeClr val="bg1">
-            <a:alpha val="75000"/>
+          <a:schemeClr val="bg2">
+            <a:lumMod val="90000"/>
           </a:schemeClr>
         </a:solidFill>
         <a:effectLst/>
@@ -3658,57 +3659,6 @@
       </p:grpSpPr>
       <p:sp>
         <p:nvSpPr>
-          <p:cNvPr id="27" name="Rectangle 26">
-            <a:extLst>
-              <a:ext uri="{FF2B5EF4-FFF2-40B4-BE49-F238E27FC236}">
-                <a16:creationId xmlns:a16="http://schemas.microsoft.com/office/drawing/2014/main" id="{77B53732-A058-6D41-9258-77E2BE6532FD}"/>
-              </a:ext>
-            </a:extLst>
-          </p:cNvPr>
-          <p:cNvSpPr/>
-          <p:nvPr/>
-        </p:nvSpPr>
-        <p:spPr>
-          <a:xfrm>
-            <a:off x="7580636" y="858068"/>
-            <a:ext cx="28680127" cy="3770263"/>
-          </a:xfrm>
-          <a:prstGeom prst="rect">
-            <a:avLst/>
-          </a:prstGeom>
-          <a:noFill/>
-        </p:spPr>
-        <p:style>
-          <a:lnRef idx="2">
-            <a:schemeClr val="accent1">
-              <a:shade val="50000"/>
-            </a:schemeClr>
-          </a:lnRef>
-          <a:fillRef idx="1">
-            <a:schemeClr val="accent1"/>
-          </a:fillRef>
-          <a:effectRef idx="0">
-            <a:schemeClr val="accent1"/>
-          </a:effectRef>
-          <a:fontRef idx="minor">
-            <a:schemeClr val="lt1"/>
-          </a:fontRef>
-        </p:style>
-        <p:txBody>
-          <a:bodyPr rtlCol="0" anchor="ctr"/>
-          <a:lstStyle/>
-          <a:p>
-            <a:pPr algn="ctr"/>
-            <a:endParaRPr lang="en-US">
-              <a:solidFill>
-                <a:srgbClr val="C00000"/>
-              </a:solidFill>
-            </a:endParaRPr>
-          </a:p>
-        </p:txBody>
-      </p:sp>
-      <p:sp>
-        <p:nvSpPr>
           <p:cNvPr id="13" name="Text Box 7">
             <a:extLst>
               <a:ext uri="{FF2B5EF4-FFF2-40B4-BE49-F238E27FC236}">
@@ -3723,20 +3673,22 @@
         </p:nvSpPr>
         <p:spPr bwMode="auto">
           <a:xfrm>
-            <a:off x="7580636" y="1051004"/>
-            <a:ext cx="28729928" cy="3770263"/>
+            <a:off x="7739662" y="1003973"/>
+            <a:ext cx="28623911" cy="3493264"/>
           </a:xfrm>
           <a:prstGeom prst="rect">
             <a:avLst/>
           </a:prstGeom>
-          <a:noFill/>
+          <a:solidFill>
+            <a:schemeClr val="bg1"/>
+          </a:solidFill>
           <a:ln>
             <a:noFill/>
           </a:ln>
           <a:effectLst/>
         </p:spPr>
         <p:txBody>
-          <a:bodyPr wrap="square">
+          <a:bodyPr wrap="square" lIns="91440" tIns="45720" rIns="91440" bIns="45720" anchor="ctr">
             <a:spAutoFit/>
           </a:bodyPr>
           <a:lstStyle>
@@ -3838,52 +3790,589 @@
             </a:lvl9pPr>
           </a:lstStyle>
           <a:p>
-            <a:pPr algn="ctr"/>
+            <a:pPr algn="ctr">
+              <a:spcBef>
+                <a:spcPts val="200"/>
+              </a:spcBef>
+            </a:pPr>
             <a:r>
               <a:rPr lang="en-US" altLang="en-US" sz="9600" b="1">
                 <a:solidFill>
                   <a:srgbClr val="C00000"/>
                 </a:solidFill>
-                <a:latin typeface="Garamond" panose="02020404030301010803" pitchFamily="18" charset="0"/>
-                <a:cs typeface="Times New Roman" panose="02020603050405020304" pitchFamily="18" charset="0"/>
+                <a:latin typeface="Garamond"/>
+                <a:cs typeface="Times New Roman"/>
               </a:rPr>
               <a:t>Statistics Resources with Non-Traditional Sports Data</a:t>
             </a:r>
-          </a:p>
-          <a:p>
-            <a:pPr algn="ctr"/>
-            <a:r>
-              <a:rPr lang="en-US" altLang="en-US" sz="5400">
-                <a:solidFill>
-                  <a:srgbClr val="C00000"/>
-                </a:solidFill>
-                <a:latin typeface="Garamond" panose="02020404030301010803" pitchFamily="18" charset="0"/>
-                <a:cs typeface="Times New Roman" panose="02020603050405020304" pitchFamily="18" charset="0"/>
-              </a:rPr>
-              <a:t>Advisors: Professors Robin Lock, Michael Schuckers, Ivan Ramler, AJ Dykstra </a:t>
-            </a:r>
-          </a:p>
-          <a:p>
-            <a:pPr algn="ctr"/>
-            <a:r>
-              <a:rPr lang="en-US" altLang="en-US" sz="5400">
-                <a:solidFill>
-                  <a:srgbClr val="C00000"/>
-                </a:solidFill>
-                <a:latin typeface="Garamond" panose="02020404030301010803" pitchFamily="18" charset="0"/>
-                <a:cs typeface="Times New Roman" panose="02020603050405020304" pitchFamily="18" charset="0"/>
-              </a:rPr>
-              <a:t>(Department of Math, Statistics, Computer Science, and Data Science)</a:t>
-            </a:r>
-          </a:p>
-          <a:p>
-            <a:pPr algn="ctr"/>
-            <a:endParaRPr lang="en-US" altLang="en-US" sz="3500" b="1">
+            <a:endParaRPr lang="en-US" sz="7250">
               <a:solidFill>
                 <a:srgbClr val="C00000"/>
               </a:solidFill>
-              <a:latin typeface="Garamond" panose="02020404030301010803" pitchFamily="18" charset="0"/>
-              <a:cs typeface="Times New Roman" panose="02020603050405020304" pitchFamily="18" charset="0"/>
+              <a:cs typeface="Arial"/>
+            </a:endParaRPr>
+          </a:p>
+          <a:p>
+            <a:pPr algn="ctr">
+              <a:spcBef>
+                <a:spcPts val="200"/>
+              </a:spcBef>
+            </a:pPr>
+            <a:r>
+              <a:rPr lang="en-US" altLang="en-US" sz="5400">
+                <a:latin typeface="Garamond"/>
+                <a:cs typeface="Times New Roman"/>
+              </a:rPr>
+              <a:t>Department of Mathematics, Computer Science, </a:t>
+            </a:r>
+            <a:r>
+              <a:rPr lang="en-US" sz="5400">
+                <a:latin typeface="Garamond"/>
+                <a:cs typeface="Times New Roman"/>
+              </a:rPr>
+              <a:t>Statistics,</a:t>
+            </a:r>
+            <a:r>
+              <a:rPr lang="en-US" altLang="en-US" sz="5400">
+                <a:latin typeface="Garamond"/>
+                <a:cs typeface="Times New Roman"/>
+              </a:rPr>
+              <a:t> and Data Science</a:t>
+            </a:r>
+          </a:p>
+          <a:p>
+            <a:pPr algn="ctr">
+              <a:spcBef>
+                <a:spcPts val="200"/>
+              </a:spcBef>
+            </a:pPr>
+            <a:r>
+              <a:rPr lang="en-US" sz="5400">
+                <a:solidFill>
+                  <a:srgbClr val="000000"/>
+                </a:solidFill>
+                <a:latin typeface="Garamond"/>
+                <a:cs typeface="Times New Roman"/>
+              </a:rPr>
+              <a:t>Advisors: Professors Robin Lock, Michael Schuckers, Ivan Ramler, A.J. Dykstra</a:t>
+            </a:r>
+          </a:p>
+          <a:p>
+            <a:pPr algn="ctr">
+              <a:spcBef>
+                <a:spcPts val="200"/>
+              </a:spcBef>
+            </a:pPr>
+            <a:r>
+              <a:rPr lang="en-US" sz="1200">
+                <a:latin typeface="Garamond"/>
+                <a:cs typeface="Times New Roman"/>
+              </a:rPr>
+              <a:t>   </a:t>
+            </a:r>
+          </a:p>
+        </p:txBody>
+      </p:sp>
+      <p:sp>
+        <p:nvSpPr>
+          <p:cNvPr id="2" name="Rectangle 1">
+            <a:extLst>
+              <a:ext uri="{FF2B5EF4-FFF2-40B4-BE49-F238E27FC236}">
+                <a16:creationId xmlns:a16="http://schemas.microsoft.com/office/drawing/2014/main" id="{C543A032-0116-5F52-5E04-40200D94D420}"/>
+              </a:ext>
+            </a:extLst>
+          </p:cNvPr>
+          <p:cNvSpPr/>
+          <p:nvPr/>
+        </p:nvSpPr>
+        <p:spPr>
+          <a:xfrm>
+            <a:off x="939023" y="23552294"/>
+            <a:ext cx="13344023" cy="8508038"/>
+          </a:xfrm>
+          <a:prstGeom prst="rect">
+            <a:avLst/>
+          </a:prstGeom>
+          <a:solidFill>
+            <a:schemeClr val="bg1"/>
+          </a:solidFill>
+          <a:ln>
+            <a:noFill/>
+          </a:ln>
+        </p:spPr>
+        <p:style>
+          <a:lnRef idx="2">
+            <a:schemeClr val="accent1">
+              <a:shade val="50000"/>
+            </a:schemeClr>
+          </a:lnRef>
+          <a:fillRef idx="1">
+            <a:schemeClr val="accent1"/>
+          </a:fillRef>
+          <a:effectRef idx="0">
+            <a:schemeClr val="accent1"/>
+          </a:effectRef>
+          <a:fontRef idx="minor">
+            <a:schemeClr val="lt1"/>
+          </a:fontRef>
+        </p:style>
+        <p:txBody>
+          <a:bodyPr rtlCol="0" anchor="ctr"/>
+          <a:lstStyle/>
+          <a:p>
+            <a:pPr algn="ctr"/>
+            <a:endParaRPr lang="en-US">
+              <a:solidFill>
+                <a:srgbClr val="C00000"/>
+              </a:solidFill>
+            </a:endParaRPr>
+          </a:p>
+        </p:txBody>
+      </p:sp>
+      <p:sp>
+        <p:nvSpPr>
+          <p:cNvPr id="4" name="Rectangle 3">
+            <a:extLst>
+              <a:ext uri="{FF2B5EF4-FFF2-40B4-BE49-F238E27FC236}">
+                <a16:creationId xmlns:a16="http://schemas.microsoft.com/office/drawing/2014/main" id="{52414908-D473-760F-DAF1-99F256B3A4FD}"/>
+              </a:ext>
+            </a:extLst>
+          </p:cNvPr>
+          <p:cNvSpPr/>
+          <p:nvPr/>
+        </p:nvSpPr>
+        <p:spPr>
+          <a:xfrm>
+            <a:off x="29638552" y="23552293"/>
+            <a:ext cx="13344023" cy="8508038"/>
+          </a:xfrm>
+          <a:prstGeom prst="rect">
+            <a:avLst/>
+          </a:prstGeom>
+          <a:solidFill>
+            <a:schemeClr val="bg1"/>
+          </a:solidFill>
+          <a:ln>
+            <a:noFill/>
+          </a:ln>
+        </p:spPr>
+        <p:style>
+          <a:lnRef idx="2">
+            <a:schemeClr val="accent1">
+              <a:shade val="50000"/>
+            </a:schemeClr>
+          </a:lnRef>
+          <a:fillRef idx="1">
+            <a:schemeClr val="accent1"/>
+          </a:fillRef>
+          <a:effectRef idx="0">
+            <a:schemeClr val="accent1"/>
+          </a:effectRef>
+          <a:fontRef idx="minor">
+            <a:schemeClr val="lt1"/>
+          </a:fontRef>
+        </p:style>
+        <p:txBody>
+          <a:bodyPr rtlCol="0" anchor="ctr"/>
+          <a:lstStyle/>
+          <a:p>
+            <a:pPr algn="ctr"/>
+            <a:endParaRPr lang="en-US">
+              <a:solidFill>
+                <a:srgbClr val="C00000"/>
+              </a:solidFill>
+            </a:endParaRPr>
+          </a:p>
+        </p:txBody>
+      </p:sp>
+      <p:sp>
+        <p:nvSpPr>
+          <p:cNvPr id="5" name="Rectangle 4">
+            <a:extLst>
+              <a:ext uri="{FF2B5EF4-FFF2-40B4-BE49-F238E27FC236}">
+                <a16:creationId xmlns:a16="http://schemas.microsoft.com/office/drawing/2014/main" id="{21397F4B-A433-086A-611C-759DAD2A9211}"/>
+              </a:ext>
+            </a:extLst>
+          </p:cNvPr>
+          <p:cNvSpPr/>
+          <p:nvPr/>
+        </p:nvSpPr>
+        <p:spPr>
+          <a:xfrm>
+            <a:off x="15310130" y="23552293"/>
+            <a:ext cx="13344023" cy="8508038"/>
+          </a:xfrm>
+          <a:prstGeom prst="rect">
+            <a:avLst/>
+          </a:prstGeom>
+          <a:solidFill>
+            <a:schemeClr val="bg1"/>
+          </a:solidFill>
+          <a:ln>
+            <a:noFill/>
+          </a:ln>
+        </p:spPr>
+        <p:style>
+          <a:lnRef idx="2">
+            <a:schemeClr val="accent1">
+              <a:shade val="50000"/>
+            </a:schemeClr>
+          </a:lnRef>
+          <a:fillRef idx="1">
+            <a:schemeClr val="accent1"/>
+          </a:fillRef>
+          <a:effectRef idx="0">
+            <a:schemeClr val="accent1"/>
+          </a:effectRef>
+          <a:fontRef idx="minor">
+            <a:schemeClr val="lt1"/>
+          </a:fontRef>
+        </p:style>
+        <p:txBody>
+          <a:bodyPr rtlCol="0" anchor="ctr"/>
+          <a:lstStyle/>
+          <a:p>
+            <a:pPr algn="ctr"/>
+            <a:endParaRPr lang="en-US">
+              <a:solidFill>
+                <a:srgbClr val="C00000"/>
+              </a:solidFill>
+            </a:endParaRPr>
+          </a:p>
+        </p:txBody>
+      </p:sp>
+      <p:sp>
+        <p:nvSpPr>
+          <p:cNvPr id="7" name="Rectangle 6">
+            <a:extLst>
+              <a:ext uri="{FF2B5EF4-FFF2-40B4-BE49-F238E27FC236}">
+                <a16:creationId xmlns:a16="http://schemas.microsoft.com/office/drawing/2014/main" id="{B1C6B176-6FD5-2D0F-5BBB-B74465BFEA3A}"/>
+              </a:ext>
+            </a:extLst>
+          </p:cNvPr>
+          <p:cNvSpPr/>
+          <p:nvPr/>
+        </p:nvSpPr>
+        <p:spPr>
+          <a:xfrm>
+            <a:off x="15295706" y="14407439"/>
+            <a:ext cx="13344023" cy="8508038"/>
+          </a:xfrm>
+          <a:prstGeom prst="rect">
+            <a:avLst/>
+          </a:prstGeom>
+          <a:solidFill>
+            <a:schemeClr val="bg1"/>
+          </a:solidFill>
+          <a:ln>
+            <a:noFill/>
+          </a:ln>
+        </p:spPr>
+        <p:style>
+          <a:lnRef idx="2">
+            <a:schemeClr val="accent1">
+              <a:shade val="50000"/>
+            </a:schemeClr>
+          </a:lnRef>
+          <a:fillRef idx="1">
+            <a:schemeClr val="accent1"/>
+          </a:fillRef>
+          <a:effectRef idx="0">
+            <a:schemeClr val="accent1"/>
+          </a:effectRef>
+          <a:fontRef idx="minor">
+            <a:schemeClr val="lt1"/>
+          </a:fontRef>
+        </p:style>
+        <p:txBody>
+          <a:bodyPr rtlCol="0" anchor="ctr"/>
+          <a:lstStyle/>
+          <a:p>
+            <a:pPr algn="ctr"/>
+            <a:endParaRPr lang="en-US">
+              <a:solidFill>
+                <a:srgbClr val="C00000"/>
+              </a:solidFill>
+            </a:endParaRPr>
+          </a:p>
+        </p:txBody>
+      </p:sp>
+      <p:sp>
+        <p:nvSpPr>
+          <p:cNvPr id="9" name="Rectangle 8">
+            <a:extLst>
+              <a:ext uri="{FF2B5EF4-FFF2-40B4-BE49-F238E27FC236}">
+                <a16:creationId xmlns:a16="http://schemas.microsoft.com/office/drawing/2014/main" id="{070CE04D-23EB-2AE5-A805-7799F7FA877C}"/>
+              </a:ext>
+            </a:extLst>
+          </p:cNvPr>
+          <p:cNvSpPr/>
+          <p:nvPr/>
+        </p:nvSpPr>
+        <p:spPr>
+          <a:xfrm>
+            <a:off x="29664233" y="5306919"/>
+            <a:ext cx="13344023" cy="8508038"/>
+          </a:xfrm>
+          <a:prstGeom prst="rect">
+            <a:avLst/>
+          </a:prstGeom>
+          <a:solidFill>
+            <a:schemeClr val="bg1"/>
+          </a:solidFill>
+          <a:ln>
+            <a:noFill/>
+          </a:ln>
+        </p:spPr>
+        <p:style>
+          <a:lnRef idx="2">
+            <a:schemeClr val="accent1">
+              <a:shade val="50000"/>
+            </a:schemeClr>
+          </a:lnRef>
+          <a:fillRef idx="1">
+            <a:schemeClr val="accent1"/>
+          </a:fillRef>
+          <a:effectRef idx="0">
+            <a:schemeClr val="accent1"/>
+          </a:effectRef>
+          <a:fontRef idx="minor">
+            <a:schemeClr val="lt1"/>
+          </a:fontRef>
+        </p:style>
+        <p:txBody>
+          <a:bodyPr rtlCol="0" anchor="ctr"/>
+          <a:lstStyle/>
+          <a:p>
+            <a:pPr algn="ctr"/>
+            <a:endParaRPr lang="en-US">
+              <a:solidFill>
+                <a:srgbClr val="C00000"/>
+              </a:solidFill>
+            </a:endParaRPr>
+          </a:p>
+        </p:txBody>
+      </p:sp>
+      <p:sp>
+        <p:nvSpPr>
+          <p:cNvPr id="10" name="Rectangle 9">
+            <a:extLst>
+              <a:ext uri="{FF2B5EF4-FFF2-40B4-BE49-F238E27FC236}">
+                <a16:creationId xmlns:a16="http://schemas.microsoft.com/office/drawing/2014/main" id="{2DCEBA1F-2E28-D1EE-5E8E-3B2FDE0B5967}"/>
+              </a:ext>
+            </a:extLst>
+          </p:cNvPr>
+          <p:cNvSpPr/>
+          <p:nvPr/>
+        </p:nvSpPr>
+        <p:spPr>
+          <a:xfrm>
+            <a:off x="29664232" y="14429606"/>
+            <a:ext cx="13344023" cy="8508038"/>
+          </a:xfrm>
+          <a:prstGeom prst="rect">
+            <a:avLst/>
+          </a:prstGeom>
+          <a:solidFill>
+            <a:schemeClr val="bg1"/>
+          </a:solidFill>
+          <a:ln>
+            <a:noFill/>
+          </a:ln>
+        </p:spPr>
+        <p:style>
+          <a:lnRef idx="2">
+            <a:schemeClr val="accent1">
+              <a:shade val="50000"/>
+            </a:schemeClr>
+          </a:lnRef>
+          <a:fillRef idx="1">
+            <a:schemeClr val="accent1"/>
+          </a:fillRef>
+          <a:effectRef idx="0">
+            <a:schemeClr val="accent1"/>
+          </a:effectRef>
+          <a:fontRef idx="minor">
+            <a:schemeClr val="lt1"/>
+          </a:fontRef>
+        </p:style>
+        <p:txBody>
+          <a:bodyPr rtlCol="0" anchor="ctr"/>
+          <a:lstStyle/>
+          <a:p>
+            <a:pPr algn="ctr"/>
+            <a:endParaRPr lang="en-US">
+              <a:solidFill>
+                <a:srgbClr val="C00000"/>
+              </a:solidFill>
+            </a:endParaRPr>
+          </a:p>
+        </p:txBody>
+      </p:sp>
+      <p:sp>
+        <p:nvSpPr>
+          <p:cNvPr id="6" name="Rectangle 5">
+            <a:extLst>
+              <a:ext uri="{FF2B5EF4-FFF2-40B4-BE49-F238E27FC236}">
+                <a16:creationId xmlns:a16="http://schemas.microsoft.com/office/drawing/2014/main" id="{9D9505CA-28C7-B4BC-187A-2F5DB2505572}"/>
+              </a:ext>
+            </a:extLst>
+          </p:cNvPr>
+          <p:cNvSpPr/>
+          <p:nvPr/>
+        </p:nvSpPr>
+        <p:spPr>
+          <a:xfrm>
+            <a:off x="15295707" y="5306919"/>
+            <a:ext cx="13344023" cy="8508038"/>
+          </a:xfrm>
+          <a:prstGeom prst="rect">
+            <a:avLst/>
+          </a:prstGeom>
+          <a:solidFill>
+            <a:schemeClr val="bg1"/>
+          </a:solidFill>
+          <a:ln>
+            <a:noFill/>
+          </a:ln>
+        </p:spPr>
+        <p:style>
+          <a:lnRef idx="2">
+            <a:schemeClr val="accent1">
+              <a:shade val="50000"/>
+            </a:schemeClr>
+          </a:lnRef>
+          <a:fillRef idx="1">
+            <a:schemeClr val="accent1"/>
+          </a:fillRef>
+          <a:effectRef idx="0">
+            <a:schemeClr val="accent1"/>
+          </a:effectRef>
+          <a:fontRef idx="minor">
+            <a:schemeClr val="lt1"/>
+          </a:fontRef>
+        </p:style>
+        <p:txBody>
+          <a:bodyPr rtlCol="0" anchor="ctr"/>
+          <a:lstStyle/>
+          <a:p>
+            <a:pPr algn="ctr"/>
+            <a:endParaRPr lang="en-US">
+              <a:solidFill>
+                <a:srgbClr val="C00000"/>
+              </a:solidFill>
+            </a:endParaRPr>
+          </a:p>
+        </p:txBody>
+      </p:sp>
+      <p:sp>
+        <p:nvSpPr>
+          <p:cNvPr id="42" name="Rectangle 41">
+            <a:extLst>
+              <a:ext uri="{FF2B5EF4-FFF2-40B4-BE49-F238E27FC236}">
+                <a16:creationId xmlns:a16="http://schemas.microsoft.com/office/drawing/2014/main" id="{2890F38C-6FD8-CF76-8FD5-B50D823579A3}"/>
+              </a:ext>
+            </a:extLst>
+          </p:cNvPr>
+          <p:cNvSpPr/>
+          <p:nvPr/>
+        </p:nvSpPr>
+        <p:spPr>
+          <a:xfrm>
+            <a:off x="971514" y="14400174"/>
+            <a:ext cx="13344023" cy="8508038"/>
+          </a:xfrm>
+          <a:prstGeom prst="rect">
+            <a:avLst/>
+          </a:prstGeom>
+          <a:solidFill>
+            <a:schemeClr val="bg1"/>
+          </a:solidFill>
+          <a:ln>
+            <a:noFill/>
+          </a:ln>
+        </p:spPr>
+        <p:style>
+          <a:lnRef idx="2">
+            <a:schemeClr val="accent1">
+              <a:shade val="50000"/>
+            </a:schemeClr>
+          </a:lnRef>
+          <a:fillRef idx="1">
+            <a:schemeClr val="accent1"/>
+          </a:fillRef>
+          <a:effectRef idx="0">
+            <a:schemeClr val="accent1"/>
+          </a:effectRef>
+          <a:fontRef idx="minor">
+            <a:schemeClr val="lt1"/>
+          </a:fontRef>
+        </p:style>
+        <p:txBody>
+          <a:bodyPr rtlCol="0" anchor="ctr"/>
+          <a:lstStyle/>
+          <a:p>
+            <a:pPr algn="ctr"/>
+            <a:endParaRPr lang="en-US">
+              <a:solidFill>
+                <a:srgbClr val="C00000"/>
+              </a:solidFill>
+            </a:endParaRPr>
+          </a:p>
+        </p:txBody>
+      </p:sp>
+      <p:sp>
+        <p:nvSpPr>
+          <p:cNvPr id="3" name="Rectangle 2">
+            <a:extLst>
+              <a:ext uri="{FF2B5EF4-FFF2-40B4-BE49-F238E27FC236}">
+                <a16:creationId xmlns:a16="http://schemas.microsoft.com/office/drawing/2014/main" id="{AADE5874-03AD-D0E1-FAEB-76AF8B87EA3A}"/>
+              </a:ext>
+            </a:extLst>
+          </p:cNvPr>
+          <p:cNvSpPr/>
+          <p:nvPr/>
+        </p:nvSpPr>
+        <p:spPr>
+          <a:xfrm>
+            <a:off x="969091" y="5296663"/>
+            <a:ext cx="13344023" cy="8508038"/>
+          </a:xfrm>
+          <a:prstGeom prst="rect">
+            <a:avLst/>
+          </a:prstGeom>
+          <a:solidFill>
+            <a:schemeClr val="bg1"/>
+          </a:solidFill>
+          <a:ln>
+            <a:noFill/>
+          </a:ln>
+        </p:spPr>
+        <p:style>
+          <a:lnRef idx="2">
+            <a:schemeClr val="accent1">
+              <a:shade val="50000"/>
+            </a:schemeClr>
+          </a:lnRef>
+          <a:fillRef idx="1">
+            <a:schemeClr val="accent1"/>
+          </a:fillRef>
+          <a:effectRef idx="0">
+            <a:schemeClr val="accent1"/>
+          </a:effectRef>
+          <a:fontRef idx="minor">
+            <a:schemeClr val="lt1"/>
+          </a:fontRef>
+        </p:style>
+        <p:txBody>
+          <a:bodyPr rtlCol="0" anchor="ctr"/>
+          <a:lstStyle/>
+          <a:p>
+            <a:pPr algn="ctr"/>
+            <a:endParaRPr lang="en-US">
+              <a:solidFill>
+                <a:srgbClr val="C00000"/>
+              </a:solidFill>
             </a:endParaRPr>
           </a:p>
         </p:txBody>
@@ -3931,7 +4420,7 @@
         </p:nvSpPr>
         <p:spPr>
           <a:xfrm>
-            <a:off x="1204905" y="5606360"/>
+            <a:off x="1315741" y="5384687"/>
             <a:ext cx="12714514" cy="8463855"/>
           </a:xfrm>
           <a:prstGeom prst="rect">
@@ -3940,7 +4429,7 @@
           <a:noFill/>
         </p:spPr>
         <p:txBody>
-          <a:bodyPr wrap="square" rtlCol="0">
+          <a:bodyPr wrap="square" lIns="91440" tIns="45720" rIns="91440" bIns="45720" rtlCol="0" anchor="t">
             <a:spAutoFit/>
           </a:bodyPr>
           <a:lstStyle/>
@@ -3951,20 +4440,17 @@
                 <a:solidFill>
                   <a:srgbClr val="C00000"/>
                 </a:solidFill>
-                <a:latin typeface="Garamond" panose="02020404030301010803" pitchFamily="18" charset="0"/>
-              </a:rPr>
-              <a:t>SCORE</a:t>
+                <a:latin typeface="Garamond"/>
+              </a:rPr>
+              <a:t>What is SCORE?</a:t>
             </a:r>
           </a:p>
           <a:p>
             <a:r>
               <a:rPr lang="en-US" sz="4400">
-                <a:solidFill>
-                  <a:srgbClr val="C00000"/>
-                </a:solidFill>
-                <a:latin typeface="Garamond" panose="02020404030301010803" pitchFamily="18" charset="0"/>
-              </a:rPr>
-              <a:t>The SCORE Network is a national organization that…</a:t>
+                <a:latin typeface="Garamond"/>
+              </a:rPr>
+              <a:t>The SCORE Network is an NSF funded organization that…</a:t>
             </a:r>
           </a:p>
           <a:p>
@@ -3974,12 +4460,9 @@
             </a:pPr>
             <a:r>
               <a:rPr lang="en-US" sz="4400">
-                <a:solidFill>
-                  <a:srgbClr val="C00000"/>
-                </a:solidFill>
-                <a:latin typeface="Garamond" panose="02020404030301010803" pitchFamily="18" charset="0"/>
-              </a:rPr>
-              <a:t>Develops and distributes Sports Content for Outreach, Research, and Education (SCORE) </a:t>
+                <a:latin typeface="Garamond"/>
+              </a:rPr>
+              <a:t>Develops and distributes Sports Content for Outreach, Research, and Education (SCORE) </a:t>
             </a:r>
           </a:p>
           <a:p>
@@ -3989,13 +4472,13 @@
             </a:pPr>
             <a:r>
               <a:rPr lang="en-US" sz="4400">
-                <a:solidFill>
-                  <a:srgbClr val="C00000"/>
-                </a:solidFill>
-                <a:latin typeface="Garamond" panose="02020404030301010803" pitchFamily="18" charset="0"/>
-              </a:rPr>
-              <a:t>Seeks to implement an educational framework based on real-world problems and applications </a:t>
-            </a:r>
+                <a:latin typeface="Garamond"/>
+              </a:rPr>
+              <a:t>Seeks to implement an educational framework based on real-world problems and applications </a:t>
+            </a:r>
+            <a:endParaRPr lang="en-US" sz="4400">
+              <a:latin typeface="Garamond" panose="02020404030301010803" pitchFamily="18" charset="0"/>
+            </a:endParaRPr>
           </a:p>
           <a:p>
             <a:pPr marL="571500" indent="-571500">
@@ -4004,32 +4487,21 @@
             </a:pPr>
             <a:r>
               <a:rPr lang="en-US" sz="4400">
-                <a:solidFill>
-                  <a:srgbClr val="C00000"/>
-                </a:solidFill>
-                <a:latin typeface="Garamond" panose="02020404030301010803" pitchFamily="18" charset="0"/>
+                <a:latin typeface="Garamond"/>
               </a:rPr>
               <a:t>Increases student likelihood to be engaged in the classroom</a:t>
             </a:r>
           </a:p>
           <a:p>
+            <a:r>
+              <a:rPr lang="en-US" sz="4400">
+                <a:latin typeface="Garamond"/>
+              </a:rPr>
+              <a:t>The St. Lawrence chapter of SCORE focuses on using non-traditional sports data to develop introductory- level statistics resources for educators. </a:t>
+            </a:r>
             <a:endParaRPr lang="en-US" sz="4400">
-              <a:solidFill>
-                <a:srgbClr val="C00000"/>
-              </a:solidFill>
               <a:latin typeface="Garamond" panose="02020404030301010803" pitchFamily="18" charset="0"/>
             </a:endParaRPr>
-          </a:p>
-          <a:p>
-            <a:r>
-              <a:rPr lang="en-US" sz="4400">
-                <a:solidFill>
-                  <a:srgbClr val="C00000"/>
-                </a:solidFill>
-                <a:latin typeface="Garamond" panose="02020404030301010803" pitchFamily="18" charset="0"/>
-              </a:rPr>
-              <a:t>The St. Lawrence chapter of SCORE focuses on using non-traditional sports data to develop introductory- level statistics resources for educators. </a:t>
-            </a:r>
           </a:p>
         </p:txBody>
       </p:sp>
@@ -4048,7 +4520,7 @@
         <p:spPr>
           <a:xfrm>
             <a:off x="29887993" y="14560074"/>
-            <a:ext cx="12714514" cy="2769989"/>
+            <a:ext cx="12714514" cy="2954655"/>
           </a:xfrm>
           <a:prstGeom prst="rect">
             <a:avLst/>
@@ -4078,9 +4550,9 @@
                 </a:solidFill>
                 <a:latin typeface="Garamond"/>
               </a:rPr>
-              <a:t>Dplyr</a:t>
-            </a:r>
-            <a:endParaRPr lang="en-US" sz="5400" b="1">
+              <a:t>dplyr</a:t>
+            </a:r>
+            <a:endParaRPr lang="en-US" sz="5400" b="1" err="1">
               <a:solidFill>
                 <a:srgbClr val="C00000"/>
               </a:solidFill>
@@ -4089,19 +4561,13 @@
           </a:p>
           <a:p>
             <a:r>
-              <a:rPr lang="en-US" sz="4000" b="1">
-                <a:solidFill>
-                  <a:srgbClr val="C00000"/>
-                </a:solidFill>
+              <a:rPr lang="en-US" sz="4400" b="1">
                 <a:latin typeface="Garamond"/>
               </a:rPr>
               <a:t>Data Info: </a:t>
             </a:r>
             <a:r>
-              <a:rPr lang="en-US" sz="4000">
-                <a:solidFill>
-                  <a:srgbClr val="C00000"/>
-                </a:solidFill>
+              <a:rPr lang="en-US" sz="4400">
                 <a:latin typeface="Garamond"/>
                 <a:ea typeface="+mn-lt"/>
                 <a:cs typeface="+mn-lt"/>
@@ -4109,19 +4575,13 @@
               <a:t>Data scraped</a:t>
             </a:r>
             <a:r>
-              <a:rPr lang="en-US" sz="4000">
-                <a:solidFill>
-                  <a:srgbClr val="C00000"/>
-                </a:solidFill>
+              <a:rPr lang="en-US" sz="4400">
                 <a:latin typeface="Garamond"/>
               </a:rPr>
               <a:t> from the FIS website </a:t>
             </a:r>
             <a:r>
-              <a:rPr lang="en-US" sz="4000">
-                <a:solidFill>
-                  <a:srgbClr val="C00000"/>
-                </a:solidFill>
+              <a:rPr lang="en-US" sz="4400">
                 <a:latin typeface="Garamond"/>
                 <a:ea typeface="+mn-lt"/>
                 <a:cs typeface="+mn-lt"/>
@@ -4129,428 +4589,11 @@
               <a:t>about a women's 10k race in Norway. </a:t>
             </a:r>
             <a:r>
-              <a:rPr lang="en-US" sz="4000">
-                <a:solidFill>
-                  <a:srgbClr val="C00000"/>
-                </a:solidFill>
-                <a:latin typeface="Garamond"/>
-              </a:rPr>
-              <a:t>The dataset has 61 skiers with 20 variables, including intervals at 1.3k, 4.3k, 7.5k, and 10k.</a:t>
-            </a:r>
-            <a:endParaRPr lang="en-US" sz="4400">
-              <a:solidFill>
-                <a:srgbClr val="C00000"/>
-              </a:solidFill>
-              <a:latin typeface="Garamond"/>
-            </a:endParaRPr>
-          </a:p>
-        </p:txBody>
-      </p:sp>
-      <p:sp>
-        <p:nvSpPr>
-          <p:cNvPr id="2" name="Rectangle 1">
-            <a:extLst>
-              <a:ext uri="{FF2B5EF4-FFF2-40B4-BE49-F238E27FC236}">
-                <a16:creationId xmlns:a16="http://schemas.microsoft.com/office/drawing/2014/main" id="{C543A032-0116-5F52-5E04-40200D94D420}"/>
-              </a:ext>
-            </a:extLst>
-          </p:cNvPr>
-          <p:cNvSpPr/>
-          <p:nvPr/>
-        </p:nvSpPr>
-        <p:spPr>
-          <a:xfrm>
-            <a:off x="898459" y="23552294"/>
-            <a:ext cx="13344023" cy="8508038"/>
-          </a:xfrm>
-          <a:prstGeom prst="rect">
-            <a:avLst/>
-          </a:prstGeom>
-          <a:noFill/>
-        </p:spPr>
-        <p:style>
-          <a:lnRef idx="2">
-            <a:schemeClr val="accent1">
-              <a:shade val="50000"/>
-            </a:schemeClr>
-          </a:lnRef>
-          <a:fillRef idx="1">
-            <a:schemeClr val="accent1"/>
-          </a:fillRef>
-          <a:effectRef idx="0">
-            <a:schemeClr val="accent1"/>
-          </a:effectRef>
-          <a:fontRef idx="minor">
-            <a:schemeClr val="lt1"/>
-          </a:fontRef>
-        </p:style>
-        <p:txBody>
-          <a:bodyPr rtlCol="0" anchor="ctr"/>
-          <a:lstStyle/>
-          <a:p>
-            <a:pPr algn="ctr"/>
-            <a:endParaRPr lang="en-US">
-              <a:solidFill>
-                <a:srgbClr val="C00000"/>
-              </a:solidFill>
-            </a:endParaRPr>
-          </a:p>
-        </p:txBody>
-      </p:sp>
-      <p:sp>
-        <p:nvSpPr>
-          <p:cNvPr id="3" name="Rectangle 2">
-            <a:extLst>
-              <a:ext uri="{FF2B5EF4-FFF2-40B4-BE49-F238E27FC236}">
-                <a16:creationId xmlns:a16="http://schemas.microsoft.com/office/drawing/2014/main" id="{AADE5874-03AD-D0E1-FAEB-76AF8B87EA3A}"/>
-              </a:ext>
-            </a:extLst>
-          </p:cNvPr>
-          <p:cNvSpPr/>
-          <p:nvPr/>
-        </p:nvSpPr>
-        <p:spPr>
-          <a:xfrm>
-            <a:off x="858255" y="5518336"/>
-            <a:ext cx="13344023" cy="8508038"/>
-          </a:xfrm>
-          <a:prstGeom prst="rect">
-            <a:avLst/>
-          </a:prstGeom>
-          <a:noFill/>
-        </p:spPr>
-        <p:style>
-          <a:lnRef idx="2">
-            <a:schemeClr val="accent1">
-              <a:shade val="50000"/>
-            </a:schemeClr>
-          </a:lnRef>
-          <a:fillRef idx="1">
-            <a:schemeClr val="accent1"/>
-          </a:fillRef>
-          <a:effectRef idx="0">
-            <a:schemeClr val="accent1"/>
-          </a:effectRef>
-          <a:fontRef idx="minor">
-            <a:schemeClr val="lt1"/>
-          </a:fontRef>
-        </p:style>
-        <p:txBody>
-          <a:bodyPr rtlCol="0" anchor="ctr"/>
-          <a:lstStyle/>
-          <a:p>
-            <a:pPr algn="ctr"/>
-            <a:endParaRPr lang="en-US">
-              <a:solidFill>
-                <a:srgbClr val="C00000"/>
-              </a:solidFill>
-            </a:endParaRPr>
-          </a:p>
-        </p:txBody>
-      </p:sp>
-      <p:sp>
-        <p:nvSpPr>
-          <p:cNvPr id="4" name="Rectangle 3">
-            <a:extLst>
-              <a:ext uri="{FF2B5EF4-FFF2-40B4-BE49-F238E27FC236}">
-                <a16:creationId xmlns:a16="http://schemas.microsoft.com/office/drawing/2014/main" id="{52414908-D473-760F-DAF1-99F256B3A4FD}"/>
-              </a:ext>
-            </a:extLst>
-          </p:cNvPr>
-          <p:cNvSpPr/>
-          <p:nvPr/>
-        </p:nvSpPr>
-        <p:spPr>
-          <a:xfrm>
-            <a:off x="29638552" y="23552293"/>
-            <a:ext cx="13344023" cy="8508038"/>
-          </a:xfrm>
-          <a:prstGeom prst="rect">
-            <a:avLst/>
-          </a:prstGeom>
-          <a:noFill/>
-        </p:spPr>
-        <p:style>
-          <a:lnRef idx="2">
-            <a:schemeClr val="accent1">
-              <a:shade val="50000"/>
-            </a:schemeClr>
-          </a:lnRef>
-          <a:fillRef idx="1">
-            <a:schemeClr val="accent1"/>
-          </a:fillRef>
-          <a:effectRef idx="0">
-            <a:schemeClr val="accent1"/>
-          </a:effectRef>
-          <a:fontRef idx="minor">
-            <a:schemeClr val="lt1"/>
-          </a:fontRef>
-        </p:style>
-        <p:txBody>
-          <a:bodyPr rtlCol="0" anchor="ctr"/>
-          <a:lstStyle/>
-          <a:p>
-            <a:pPr algn="ctr"/>
-            <a:endParaRPr lang="en-US">
-              <a:solidFill>
-                <a:srgbClr val="C00000"/>
-              </a:solidFill>
-            </a:endParaRPr>
-          </a:p>
-        </p:txBody>
-      </p:sp>
-      <p:sp>
-        <p:nvSpPr>
-          <p:cNvPr id="5" name="Rectangle 4">
-            <a:extLst>
-              <a:ext uri="{FF2B5EF4-FFF2-40B4-BE49-F238E27FC236}">
-                <a16:creationId xmlns:a16="http://schemas.microsoft.com/office/drawing/2014/main" id="{21397F4B-A433-086A-611C-759DAD2A9211}"/>
-              </a:ext>
-            </a:extLst>
-          </p:cNvPr>
-          <p:cNvSpPr/>
-          <p:nvPr/>
-        </p:nvSpPr>
-        <p:spPr>
-          <a:xfrm>
-            <a:off x="15332297" y="23552293"/>
-            <a:ext cx="13344023" cy="8508038"/>
-          </a:xfrm>
-          <a:prstGeom prst="rect">
-            <a:avLst/>
-          </a:prstGeom>
-          <a:noFill/>
-        </p:spPr>
-        <p:style>
-          <a:lnRef idx="2">
-            <a:schemeClr val="accent1">
-              <a:shade val="50000"/>
-            </a:schemeClr>
-          </a:lnRef>
-          <a:fillRef idx="1">
-            <a:schemeClr val="accent1"/>
-          </a:fillRef>
-          <a:effectRef idx="0">
-            <a:schemeClr val="accent1"/>
-          </a:effectRef>
-          <a:fontRef idx="minor">
-            <a:schemeClr val="lt1"/>
-          </a:fontRef>
-        </p:style>
-        <p:txBody>
-          <a:bodyPr rtlCol="0" anchor="ctr"/>
-          <a:lstStyle/>
-          <a:p>
-            <a:pPr algn="ctr"/>
-            <a:endParaRPr lang="en-US">
-              <a:solidFill>
-                <a:srgbClr val="C00000"/>
-              </a:solidFill>
-            </a:endParaRPr>
-          </a:p>
-        </p:txBody>
-      </p:sp>
-      <p:sp>
-        <p:nvSpPr>
-          <p:cNvPr id="6" name="Rectangle 5">
-            <a:extLst>
-              <a:ext uri="{FF2B5EF4-FFF2-40B4-BE49-F238E27FC236}">
-                <a16:creationId xmlns:a16="http://schemas.microsoft.com/office/drawing/2014/main" id="{9D9505CA-28C7-B4BC-187A-2F5DB2505572}"/>
-              </a:ext>
-            </a:extLst>
-          </p:cNvPr>
-          <p:cNvSpPr/>
-          <p:nvPr/>
-        </p:nvSpPr>
-        <p:spPr>
-          <a:xfrm>
-            <a:off x="15295707" y="5306919"/>
-            <a:ext cx="13344023" cy="8508038"/>
-          </a:xfrm>
-          <a:prstGeom prst="rect">
-            <a:avLst/>
-          </a:prstGeom>
-          <a:noFill/>
-        </p:spPr>
-        <p:style>
-          <a:lnRef idx="2">
-            <a:schemeClr val="accent1">
-              <a:shade val="50000"/>
-            </a:schemeClr>
-          </a:lnRef>
-          <a:fillRef idx="1">
-            <a:schemeClr val="accent1"/>
-          </a:fillRef>
-          <a:effectRef idx="0">
-            <a:schemeClr val="accent1"/>
-          </a:effectRef>
-          <a:fontRef idx="minor">
-            <a:schemeClr val="lt1"/>
-          </a:fontRef>
-        </p:style>
-        <p:txBody>
-          <a:bodyPr rtlCol="0" anchor="ctr"/>
-          <a:lstStyle/>
-          <a:p>
-            <a:pPr algn="ctr"/>
-            <a:endParaRPr lang="en-US">
-              <a:solidFill>
-                <a:srgbClr val="C00000"/>
-              </a:solidFill>
-            </a:endParaRPr>
-          </a:p>
-        </p:txBody>
-      </p:sp>
-      <p:sp>
-        <p:nvSpPr>
-          <p:cNvPr id="7" name="Rectangle 6">
-            <a:extLst>
-              <a:ext uri="{FF2B5EF4-FFF2-40B4-BE49-F238E27FC236}">
-                <a16:creationId xmlns:a16="http://schemas.microsoft.com/office/drawing/2014/main" id="{B1C6B176-6FD5-2D0F-5BBB-B74465BFEA3A}"/>
-              </a:ext>
-            </a:extLst>
-          </p:cNvPr>
-          <p:cNvSpPr/>
-          <p:nvPr/>
-        </p:nvSpPr>
-        <p:spPr>
-          <a:xfrm>
-            <a:off x="15295706" y="14429606"/>
-            <a:ext cx="13344023" cy="8508038"/>
-          </a:xfrm>
-          <a:prstGeom prst="rect">
-            <a:avLst/>
-          </a:prstGeom>
-          <a:noFill/>
-        </p:spPr>
-        <p:style>
-          <a:lnRef idx="2">
-            <a:schemeClr val="accent1">
-              <a:shade val="50000"/>
-            </a:schemeClr>
-          </a:lnRef>
-          <a:fillRef idx="1">
-            <a:schemeClr val="accent1"/>
-          </a:fillRef>
-          <a:effectRef idx="0">
-            <a:schemeClr val="accent1"/>
-          </a:effectRef>
-          <a:fontRef idx="minor">
-            <a:schemeClr val="lt1"/>
-          </a:fontRef>
-        </p:style>
-        <p:txBody>
-          <a:bodyPr rtlCol="0" anchor="ctr"/>
-          <a:lstStyle/>
-          <a:p>
-            <a:pPr algn="ctr"/>
-            <a:endParaRPr lang="en-US">
-              <a:solidFill>
-                <a:srgbClr val="C00000"/>
-              </a:solidFill>
-            </a:endParaRPr>
-          </a:p>
-        </p:txBody>
-      </p:sp>
-      <p:sp>
-        <p:nvSpPr>
-          <p:cNvPr id="9" name="Rectangle 8">
-            <a:extLst>
-              <a:ext uri="{FF2B5EF4-FFF2-40B4-BE49-F238E27FC236}">
-                <a16:creationId xmlns:a16="http://schemas.microsoft.com/office/drawing/2014/main" id="{070CE04D-23EB-2AE5-A805-7799F7FA877C}"/>
-              </a:ext>
-            </a:extLst>
-          </p:cNvPr>
-          <p:cNvSpPr/>
-          <p:nvPr/>
-        </p:nvSpPr>
-        <p:spPr>
-          <a:xfrm>
-            <a:off x="29664233" y="5306919"/>
-            <a:ext cx="13344023" cy="8508038"/>
-          </a:xfrm>
-          <a:prstGeom prst="rect">
-            <a:avLst/>
-          </a:prstGeom>
-          <a:noFill/>
-        </p:spPr>
-        <p:style>
-          <a:lnRef idx="2">
-            <a:schemeClr val="accent1">
-              <a:shade val="50000"/>
-            </a:schemeClr>
-          </a:lnRef>
-          <a:fillRef idx="1">
-            <a:schemeClr val="accent1"/>
-          </a:fillRef>
-          <a:effectRef idx="0">
-            <a:schemeClr val="accent1"/>
-          </a:effectRef>
-          <a:fontRef idx="minor">
-            <a:schemeClr val="lt1"/>
-          </a:fontRef>
-        </p:style>
-        <p:txBody>
-          <a:bodyPr rtlCol="0" anchor="ctr"/>
-          <a:lstStyle/>
-          <a:p>
-            <a:pPr algn="ctr"/>
-            <a:endParaRPr lang="en-US">
-              <a:solidFill>
-                <a:srgbClr val="C00000"/>
-              </a:solidFill>
-            </a:endParaRPr>
-          </a:p>
-        </p:txBody>
-      </p:sp>
-      <p:sp>
-        <p:nvSpPr>
-          <p:cNvPr id="10" name="Rectangle 9">
-            <a:extLst>
-              <a:ext uri="{FF2B5EF4-FFF2-40B4-BE49-F238E27FC236}">
-                <a16:creationId xmlns:a16="http://schemas.microsoft.com/office/drawing/2014/main" id="{2DCEBA1F-2E28-D1EE-5E8E-3B2FDE0B5967}"/>
-              </a:ext>
-            </a:extLst>
-          </p:cNvPr>
-          <p:cNvSpPr/>
-          <p:nvPr/>
-        </p:nvSpPr>
-        <p:spPr>
-          <a:xfrm>
-            <a:off x="29664232" y="14429606"/>
-            <a:ext cx="13344023" cy="8508038"/>
-          </a:xfrm>
-          <a:prstGeom prst="rect">
-            <a:avLst/>
-          </a:prstGeom>
-          <a:noFill/>
-        </p:spPr>
-        <p:style>
-          <a:lnRef idx="2">
-            <a:schemeClr val="accent1">
-              <a:shade val="50000"/>
-            </a:schemeClr>
-          </a:lnRef>
-          <a:fillRef idx="1">
-            <a:schemeClr val="accent1"/>
-          </a:fillRef>
-          <a:effectRef idx="0">
-            <a:schemeClr val="accent1"/>
-          </a:effectRef>
-          <a:fontRef idx="minor">
-            <a:schemeClr val="lt1"/>
-          </a:fontRef>
-        </p:style>
-        <p:txBody>
-          <a:bodyPr rtlCol="0" anchor="ctr"/>
-          <a:lstStyle/>
-          <a:p>
-            <a:pPr algn="ctr"/>
-            <a:endParaRPr lang="en-US">
-              <a:solidFill>
-                <a:srgbClr val="C00000"/>
-              </a:solidFill>
-            </a:endParaRPr>
+              <a:rPr lang="en-US" sz="4400">
+                <a:latin typeface="Garamond"/>
+              </a:rPr>
+              <a:t>The dataset has 61 skiers with 20 variables at 1.3k, 4.3k, 7.5k, and 10k intervals</a:t>
+            </a:r>
           </a:p>
         </p:txBody>
       </p:sp>
@@ -4577,7 +4620,7 @@
           <a:noFill/>
         </p:spPr>
         <p:txBody>
-          <a:bodyPr wrap="square" rtlCol="0">
+          <a:bodyPr wrap="square" lIns="91440" tIns="45720" rIns="91440" bIns="45720" rtlCol="0" anchor="t">
             <a:spAutoFit/>
           </a:bodyPr>
           <a:lstStyle/>
@@ -4588,7 +4631,7 @@
                 <a:solidFill>
                   <a:srgbClr val="C00000"/>
                 </a:solidFill>
-                <a:latin typeface="Garamond" panose="02020404030301010803" pitchFamily="18" charset="0"/>
+                <a:latin typeface="Garamond"/>
               </a:rPr>
               <a:t>SCORE Data Repository</a:t>
             </a:r>
@@ -4596,10 +4639,7 @@
           <a:p>
             <a:r>
               <a:rPr lang="en-US" sz="4400">
-                <a:solidFill>
-                  <a:srgbClr val="C00000"/>
-                </a:solidFill>
-                <a:latin typeface="Garamond" panose="02020404030301010803" pitchFamily="18" charset="0"/>
+                <a:latin typeface="Garamond"/>
               </a:rPr>
               <a:t>Datasets in the SCORE repository come from a variety of sports, and consist of…</a:t>
             </a:r>
@@ -4611,10 +4651,7 @@
             </a:pPr>
             <a:r>
               <a:rPr lang="en-US" sz="4400">
-                <a:solidFill>
-                  <a:srgbClr val="C00000"/>
-                </a:solidFill>
-                <a:latin typeface="Garamond" panose="02020404030301010803" pitchFamily="18" charset="0"/>
+                <a:latin typeface="Garamond"/>
               </a:rPr>
               <a:t>The motivation behind using the data</a:t>
             </a:r>
@@ -4626,10 +4663,7 @@
             </a:pPr>
             <a:r>
               <a:rPr lang="en-US" sz="4400">
-                <a:solidFill>
-                  <a:srgbClr val="C00000"/>
-                </a:solidFill>
-                <a:latin typeface="Garamond" panose="02020404030301010803" pitchFamily="18" charset="0"/>
+                <a:latin typeface="Garamond"/>
               </a:rPr>
               <a:t>A description of the dataset (size and variables)</a:t>
             </a:r>
@@ -4641,32 +4675,51 @@
             </a:pPr>
             <a:r>
               <a:rPr lang="en-US" sz="4400">
-                <a:solidFill>
-                  <a:srgbClr val="C00000"/>
-                </a:solidFill>
-                <a:latin typeface="Garamond" panose="02020404030301010803" pitchFamily="18" charset="0"/>
+                <a:latin typeface="Garamond"/>
               </a:rPr>
               <a:t>A variety of questions that could be answered using the data</a:t>
             </a:r>
           </a:p>
           <a:p>
-            <a:endParaRPr lang="en-US" sz="4400">
-              <a:solidFill>
-                <a:srgbClr val="C00000"/>
-              </a:solidFill>
-              <a:latin typeface="Garamond" panose="02020404030301010803" pitchFamily="18" charset="0"/>
+            <a:r>
+              <a:rPr lang="en-US" sz="4400">
+                <a:latin typeface="Garamond"/>
+              </a:rPr>
+              <a:t>Each of the datasets highlighted in</a:t>
+            </a:r>
+          </a:p>
+          <a:p>
+            <a:r>
+              <a:rPr lang="en-US" sz="4400">
+                <a:latin typeface="Garamond"/>
+              </a:rPr>
+              <a:t>the previous sections has been published</a:t>
+            </a:r>
+            <a:endParaRPr lang="en-US" sz="7250">
+              <a:latin typeface="Garamond"/>
             </a:endParaRPr>
           </a:p>
           <a:p>
             <a:r>
               <a:rPr lang="en-US" sz="4400">
-                <a:solidFill>
-                  <a:srgbClr val="C00000"/>
-                </a:solidFill>
-                <a:latin typeface="Garamond" panose="02020404030301010803" pitchFamily="18" charset="0"/>
-              </a:rPr>
-              <a:t>Each of the datasets highlighted in the previous sections has been published in the SCORE Data Repository to be used nationally</a:t>
-            </a:r>
+                <a:latin typeface="Garamond"/>
+              </a:rPr>
+              <a:t> in the SCORE Data Repository to be </a:t>
+            </a:r>
+            <a:endParaRPr lang="en-US" sz="7250">
+              <a:latin typeface="Garamond"/>
+            </a:endParaRPr>
+          </a:p>
+          <a:p>
+            <a:r>
+              <a:rPr lang="en-US" sz="4400">
+                <a:latin typeface="Garamond"/>
+              </a:rPr>
+              <a:t>used internationally</a:t>
+            </a:r>
+            <a:endParaRPr lang="en-US" sz="7250">
+              <a:latin typeface="Garamond"/>
+            </a:endParaRPr>
           </a:p>
         </p:txBody>
       </p:sp>
@@ -4684,7 +4737,7 @@
         </p:nvSpPr>
         <p:spPr>
           <a:xfrm>
-            <a:off x="15647050" y="14560074"/>
+            <a:off x="15647050" y="14537907"/>
             <a:ext cx="12714514" cy="1015663"/>
           </a:xfrm>
           <a:prstGeom prst="rect">
@@ -4773,7 +4826,7 @@
         <p:spPr>
           <a:xfrm>
             <a:off x="30015577" y="5626294"/>
-            <a:ext cx="12714514" cy="8032968"/>
+            <a:ext cx="12714514" cy="7355860"/>
           </a:xfrm>
           <a:prstGeom prst="rect">
             <a:avLst/>
@@ -4806,35 +4859,23 @@
           <a:p>
             <a:r>
               <a:rPr lang="en-US" sz="4400" b="1">
-                <a:solidFill>
-                  <a:srgbClr val="C00000"/>
-                </a:solidFill>
                 <a:latin typeface="Garamond"/>
               </a:rPr>
               <a:t>Data Info: </a:t>
             </a:r>
             <a:r>
               <a:rPr lang="en-US" sz="4400">
-                <a:solidFill>
-                  <a:srgbClr val="C00000"/>
-                </a:solidFill>
                 <a:latin typeface="Garamond"/>
               </a:rPr>
               <a:t>Alpine ski data scraped from FIS website containing information on two runs of women's GS at Mont Tremblant</a:t>
             </a:r>
             <a:endParaRPr lang="en-US" sz="4400">
-              <a:solidFill>
-                <a:srgbClr val="C00000"/>
-              </a:solidFill>
               <a:latin typeface="Garamond" panose="02020404030301010803" pitchFamily="18" charset="0"/>
             </a:endParaRPr>
           </a:p>
           <a:p>
             <a:r>
               <a:rPr lang="en-US" sz="4400" b="1">
-                <a:solidFill>
-                  <a:srgbClr val="C00000"/>
-                </a:solidFill>
                 <a:latin typeface="Garamond"/>
               </a:rPr>
               <a:t>Module Goals:</a:t>
@@ -4842,67 +4883,59 @@
           </a:p>
           <a:p>
             <a:pPr marL="742950" indent="-742950">
-              <a:buAutoNum type="arabicPeriod"/>
+              <a:buFont typeface="Arial"/>
+              <a:buChar char="•"/>
             </a:pPr>
             <a:r>
               <a:rPr lang="en-US" sz="4400">
-                <a:solidFill>
-                  <a:srgbClr val="C00000"/>
-                </a:solidFill>
-                <a:latin typeface="Garamond"/>
-              </a:rPr>
-              <a:t>Use paired data to perform a test for difference in means, find a confidence interval, obtain summary statistics, and interpret findings (STAT 113)</a:t>
+                <a:latin typeface="Garamond"/>
+              </a:rPr>
+              <a:t>Use paired data to perform a test for </a:t>
+            </a:r>
+            <a:br>
+              <a:rPr lang="en-US" sz="4400">
+                <a:latin typeface="Garamond"/>
+              </a:rPr>
+            </a:br>
+            <a:r>
+              <a:rPr lang="en-US" sz="4400">
+                <a:latin typeface="Garamond"/>
+              </a:rPr>
+              <a:t>difference in means, find a confidence interval, obtain summary statistics, and interpret findings</a:t>
             </a:r>
           </a:p>
           <a:p>
             <a:pPr marL="742950" indent="-742950">
-              <a:buAutoNum type="arabicPeriod"/>
+              <a:buFont typeface="Arial"/>
+              <a:buChar char="•"/>
             </a:pPr>
             <a:r>
               <a:rPr lang="en-US" sz="4400">
-                <a:solidFill>
-                  <a:srgbClr val="C00000"/>
-                </a:solidFill>
                 <a:latin typeface="Garamond"/>
               </a:rPr>
               <a:t>Clean an untidy data set using </a:t>
             </a:r>
             <a:r>
               <a:rPr lang="en-US" sz="4400" err="1">
-                <a:solidFill>
-                  <a:srgbClr val="C00000"/>
-                </a:solidFill>
                 <a:latin typeface="Garamond"/>
               </a:rPr>
               <a:t>tidyr</a:t>
             </a:r>
             <a:r>
               <a:rPr lang="en-US" sz="4400">
-                <a:solidFill>
-                  <a:srgbClr val="C00000"/>
-                </a:solidFill>
                 <a:latin typeface="Garamond"/>
               </a:rPr>
               <a:t> and </a:t>
             </a:r>
             <a:r>
               <a:rPr lang="en-US" sz="4400" err="1">
-                <a:solidFill>
-                  <a:srgbClr val="C00000"/>
-                </a:solidFill>
                 <a:latin typeface="Garamond"/>
               </a:rPr>
               <a:t>dplyr</a:t>
             </a:r>
-            <a:r>
-              <a:rPr lang="en-US" sz="4400">
-                <a:solidFill>
-                  <a:srgbClr val="C00000"/>
-                </a:solidFill>
-                <a:latin typeface="Garamond"/>
-              </a:rPr>
-              <a:t> (STAT/DS 234)</a:t>
-            </a:r>
+            <a:endParaRPr lang="en-US" sz="4400">
+              <a:latin typeface="Garamond"/>
+            </a:endParaRPr>
           </a:p>
         </p:txBody>
       </p:sp>
@@ -4920,8 +4953,8 @@
         </p:nvSpPr>
         <p:spPr>
           <a:xfrm>
-            <a:off x="1179269" y="23664193"/>
-            <a:ext cx="12868442" cy="9548768"/>
+            <a:off x="1219833" y="23664193"/>
+            <a:ext cx="12868442" cy="8871659"/>
           </a:xfrm>
           <a:prstGeom prst="rect">
             <a:avLst/>
@@ -4948,18 +4981,12 @@
           <a:p>
             <a:r>
               <a:rPr lang="en-US" sz="4400" b="1">
-                <a:solidFill>
-                  <a:srgbClr val="C00000"/>
-                </a:solidFill>
                 <a:latin typeface="Garamond"/>
               </a:rPr>
               <a:t>Data Info:</a:t>
             </a:r>
             <a:r>
               <a:rPr lang="en-US" sz="4400">
-                <a:solidFill>
-                  <a:srgbClr val="C00000"/>
-                </a:solidFill>
                 <a:latin typeface="Garamond"/>
               </a:rPr>
               <a:t> Diving results from the 2022 FINA Junior World Championships from women divers aged 16 – 18.</a:t>
@@ -4973,116 +5000,88 @@
               </a:rPr>
               <a:t>--</a:t>
             </a:r>
-            <a:endParaRPr lang="en-US"/>
+            <a:endParaRPr lang="en-US" sz="7250">
+              <a:cs typeface="Calibri"/>
+            </a:endParaRPr>
           </a:p>
           <a:p>
             <a:r>
               <a:rPr lang="en-US" sz="4400" b="1">
-                <a:solidFill>
-                  <a:srgbClr val="C00000"/>
-                </a:solidFill>
                 <a:latin typeface="Garamond"/>
               </a:rPr>
               <a:t>Module Goals:</a:t>
             </a:r>
             <a:endParaRPr lang="en-US" sz="4400">
-              <a:solidFill>
-                <a:srgbClr val="C00000"/>
-              </a:solidFill>
               <a:latin typeface="Garamond" panose="02020404030301010803" pitchFamily="18" charset="0"/>
             </a:endParaRPr>
           </a:p>
           <a:p>
             <a:pPr marL="742950" indent="-742950">
-              <a:buAutoNum type="arabicPeriod"/>
+              <a:buFont typeface="Arial"/>
+              <a:buChar char="•"/>
             </a:pPr>
             <a:r>
               <a:rPr lang="en-US" sz="4400">
-                <a:solidFill>
-                  <a:srgbClr val="C00000"/>
-                </a:solidFill>
-                <a:latin typeface="Garamond"/>
-              </a:rPr>
-              <a:t>Conduct difference in means</a:t>
+                <a:latin typeface="Garamond"/>
+              </a:rPr>
+              <a:t>Conduct difference in means </a:t>
+            </a:r>
+            <a:br>
+              <a:rPr lang="en-US" sz="4400">
+                <a:latin typeface="Garamond"/>
+              </a:rPr>
+            </a:br>
+            <a:r>
+              <a:rPr lang="en-US" sz="4400">
+                <a:latin typeface="Garamond"/>
+              </a:rPr>
+              <a:t>hypothesis tests to test if there </a:t>
+            </a:r>
+            <a:br>
+              <a:rPr lang="en-US" sz="4400">
+                <a:latin typeface="Garamond"/>
+              </a:rPr>
+            </a:br>
+            <a:r>
+              <a:rPr lang="en-US" sz="4400">
+                <a:latin typeface="Garamond"/>
+              </a:rPr>
+              <a:t>is a significant difference in mean </a:t>
+            </a:r>
+            <a:br>
+              <a:rPr lang="en-US" sz="4400">
+                <a:latin typeface="Garamond"/>
+              </a:rPr>
+            </a:br>
+            <a:r>
+              <a:rPr lang="en-US" sz="4400">
+                <a:latin typeface="Garamond"/>
+              </a:rPr>
+              <a:t>points scored between divers of  different ages</a:t>
             </a:r>
             <a:endParaRPr lang="en-US" sz="4400">
-              <a:solidFill>
-                <a:srgbClr val="C00000"/>
-              </a:solidFill>
               <a:latin typeface="Garamond" panose="02020404030301010803" pitchFamily="18" charset="0"/>
             </a:endParaRPr>
           </a:p>
           <a:p>
+            <a:pPr marL="742950" indent="-742950">
+              <a:buFont typeface="Arial"/>
+              <a:buChar char="•"/>
+            </a:pPr>
             <a:r>
               <a:rPr lang="en-US" sz="4400">
-                <a:solidFill>
-                  <a:srgbClr val="C00000"/>
-                </a:solidFill>
-                <a:latin typeface="Garamond"/>
-              </a:rPr>
-              <a:t> hypothesis tests to test if there is</a:t>
+                <a:latin typeface="Garamond"/>
+              </a:rPr>
+              <a:t>Practice conducting hypothesis tests in R or by hand.</a:t>
             </a:r>
             <a:endParaRPr lang="en-US" sz="4400">
-              <a:solidFill>
-                <a:srgbClr val="C00000"/>
-              </a:solidFill>
               <a:latin typeface="Garamond" panose="02020404030301010803" pitchFamily="18" charset="0"/>
             </a:endParaRPr>
           </a:p>
           <a:p>
-            <a:r>
-              <a:rPr lang="en-US" sz="4400">
-                <a:solidFill>
-                  <a:srgbClr val="C00000"/>
-                </a:solidFill>
-                <a:latin typeface="Garamond"/>
-              </a:rPr>
-              <a:t> a significant difference in mean</a:t>
-            </a:r>
-            <a:endParaRPr lang="en-US" sz="4400">
-              <a:solidFill>
-                <a:srgbClr val="C00000"/>
-              </a:solidFill>
-              <a:latin typeface="Garamond" panose="02020404030301010803" pitchFamily="18" charset="0"/>
-            </a:endParaRPr>
-          </a:p>
-          <a:p>
-            <a:r>
-              <a:rPr lang="en-US" sz="4400">
-                <a:solidFill>
-                  <a:srgbClr val="C00000"/>
-                </a:solidFill>
-                <a:latin typeface="Garamond"/>
-              </a:rPr>
-              <a:t> points scored between divers of  different ages</a:t>
-            </a:r>
-            <a:endParaRPr lang="en-US" sz="4400">
-              <a:solidFill>
-                <a:srgbClr val="C00000"/>
-              </a:solidFill>
-              <a:latin typeface="Garamond" panose="02020404030301010803" pitchFamily="18" charset="0"/>
-            </a:endParaRPr>
-          </a:p>
-          <a:p>
-            <a:r>
-              <a:rPr lang="en-US" sz="4400">
-                <a:solidFill>
-                  <a:srgbClr val="C00000"/>
-                </a:solidFill>
-                <a:latin typeface="Garamond"/>
-              </a:rPr>
-              <a:t>2. Practice conducting hypothesis tests both in R or by hand.</a:t>
-            </a:r>
-            <a:endParaRPr lang="en-US" sz="4400">
-              <a:solidFill>
-                <a:srgbClr val="C00000"/>
-              </a:solidFill>
-              <a:latin typeface="Garamond" panose="02020404030301010803" pitchFamily="18" charset="0"/>
-            </a:endParaRPr>
-          </a:p>
-          <a:p>
             <a:pPr marL="742950" indent="-742950">
-              <a:buAutoNum type="arabicPeriod"/>
+              <a:buFont typeface="Arial"/>
+              <a:buChar char="•"/>
             </a:pPr>
             <a:endParaRPr lang="en-US" sz="4400">
               <a:solidFill>
@@ -5093,7 +5092,8 @@
           </a:p>
           <a:p>
             <a:pPr marL="742950" indent="-742950">
-              <a:buAutoNum type="arabicPeriod"/>
+              <a:buFont typeface="Arial"/>
+              <a:buChar char="•"/>
             </a:pPr>
             <a:endParaRPr lang="en-US" sz="4400">
               <a:solidFill>
@@ -5118,7 +5118,7 @@
         </p:nvSpPr>
         <p:spPr>
           <a:xfrm>
-            <a:off x="15647050" y="23616232"/>
+            <a:off x="15624883" y="23616232"/>
             <a:ext cx="12714514" cy="1754326"/>
           </a:xfrm>
           <a:prstGeom prst="rect">
@@ -5206,7 +5206,7 @@
         </p:nvSpPr>
         <p:spPr>
           <a:xfrm>
-            <a:off x="1361165" y="31083331"/>
+            <a:off x="1401730" y="31220085"/>
             <a:ext cx="12714514" cy="769441"/>
           </a:xfrm>
           <a:prstGeom prst="rect">
@@ -5250,7 +5250,7 @@
         </p:nvSpPr>
         <p:spPr>
           <a:xfrm>
-            <a:off x="17890957" y="22107578"/>
+            <a:off x="17890957" y="22085411"/>
             <a:ext cx="10751779" cy="769441"/>
           </a:xfrm>
           <a:prstGeom prst="rect">
@@ -5292,7 +5292,7 @@
         </p:nvSpPr>
         <p:spPr>
           <a:xfrm>
-            <a:off x="15967410" y="31162979"/>
+            <a:off x="15945243" y="31268997"/>
             <a:ext cx="12714514" cy="769441"/>
           </a:xfrm>
           <a:prstGeom prst="rect">
@@ -5314,7 +5314,7 @@
                 </a:solidFill>
                 <a:latin typeface="Garamond"/>
               </a:rPr>
-              <a:t>George Charalambous (Data Science &amp; Nerd) </a:t>
+              <a:t>George Charalambous (Data Science) </a:t>
             </a:r>
             <a:endParaRPr lang="en-US" sz="4400"/>
           </a:p>
@@ -5378,7 +5378,7 @@
         </p:nvSpPr>
         <p:spPr>
           <a:xfrm>
-            <a:off x="30278227" y="12968120"/>
+            <a:off x="30278227" y="13074138"/>
             <a:ext cx="12714514" cy="769441"/>
           </a:xfrm>
           <a:prstGeom prst="rect">
@@ -5448,8 +5448,8 @@
         </p:blipFill>
         <p:spPr>
           <a:xfrm>
-            <a:off x="23051871" y="7545352"/>
-            <a:ext cx="2286000" cy="2638425"/>
+            <a:off x="23463117" y="7807054"/>
+            <a:ext cx="1930833" cy="2227179"/>
           </a:xfrm>
           <a:prstGeom prst="rect">
             <a:avLst/>
@@ -5478,8 +5478,8 @@
         </p:blipFill>
         <p:spPr>
           <a:xfrm>
-            <a:off x="25787472" y="7558669"/>
-            <a:ext cx="2286000" cy="2638425"/>
+            <a:off x="25806165" y="7818931"/>
+            <a:ext cx="1930833" cy="2227179"/>
           </a:xfrm>
           <a:prstGeom prst="rect">
             <a:avLst/>
@@ -5508,8 +5508,8 @@
         </p:blipFill>
         <p:spPr>
           <a:xfrm>
-            <a:off x="23051793" y="10393904"/>
-            <a:ext cx="2286000" cy="2638425"/>
+            <a:off x="23481732" y="10300439"/>
+            <a:ext cx="1930833" cy="2227179"/>
           </a:xfrm>
           <a:prstGeom prst="rect">
             <a:avLst/>
@@ -5538,8 +5538,8 @@
         </p:blipFill>
         <p:spPr>
           <a:xfrm>
-            <a:off x="25605880" y="10201618"/>
-            <a:ext cx="2667000" cy="2667000"/>
+            <a:off x="25701233" y="10272001"/>
+            <a:ext cx="2112188" cy="2174625"/>
           </a:xfrm>
           <a:prstGeom prst="rect">
             <a:avLst/>
@@ -5568,7 +5568,7 @@
         </p:blipFill>
         <p:spPr>
           <a:xfrm>
-            <a:off x="39822488" y="8918281"/>
+            <a:off x="39518252" y="8938563"/>
             <a:ext cx="2743200" cy="1827014"/>
           </a:xfrm>
           <a:prstGeom prst="rect">
@@ -5590,7 +5590,7 @@
         </p:nvSpPr>
         <p:spPr>
           <a:xfrm>
-            <a:off x="15624187" y="17226249"/>
+            <a:off x="15624187" y="17204082"/>
             <a:ext cx="7414979" cy="4154984"/>
           </a:xfrm>
           <a:prstGeom prst="rect">
@@ -5599,17 +5599,14 @@
           <a:noFill/>
         </p:spPr>
         <p:txBody>
-          <a:bodyPr wrap="square" rtlCol="0">
+          <a:bodyPr wrap="square" lIns="91440" tIns="45720" rIns="91440" bIns="45720" rtlCol="0" anchor="t">
             <a:spAutoFit/>
           </a:bodyPr>
           <a:lstStyle/>
           <a:p>
             <a:r>
               <a:rPr lang="en-US" sz="4400" b="1">
-                <a:solidFill>
-                  <a:srgbClr val="C00000"/>
-                </a:solidFill>
-                <a:latin typeface="Garamond" panose="02020404030301010803" pitchFamily="18" charset="0"/>
+                <a:latin typeface="Garamond"/>
               </a:rPr>
               <a:t>Module Goals:</a:t>
             </a:r>
@@ -5621,10 +5618,7 @@
             </a:pPr>
             <a:r>
               <a:rPr lang="en-US" sz="4400">
-                <a:solidFill>
-                  <a:srgbClr val="C00000"/>
-                </a:solidFill>
-                <a:latin typeface="Garamond" panose="02020404030301010803" pitchFamily="18" charset="0"/>
+                <a:latin typeface="Garamond"/>
               </a:rPr>
               <a:t>Understand histograms and outliers and their relevance in statistical analysis.</a:t>
             </a:r>
@@ -5636,10 +5630,7 @@
             </a:pPr>
             <a:r>
               <a:rPr lang="en-US" sz="4400">
-                <a:solidFill>
-                  <a:srgbClr val="C00000"/>
-                </a:solidFill>
-                <a:latin typeface="Garamond" panose="02020404030301010803" pitchFamily="18" charset="0"/>
+                <a:latin typeface="Garamond"/>
               </a:rPr>
               <a:t>Highlight use of summary statistics in outlier detection</a:t>
             </a:r>
@@ -5660,7 +5651,7 @@
         </p:nvSpPr>
         <p:spPr>
           <a:xfrm>
-            <a:off x="15647050" y="15529570"/>
+            <a:off x="15647050" y="15507403"/>
             <a:ext cx="12714514" cy="1446550"/>
           </a:xfrm>
           <a:prstGeom prst="rect">
@@ -5669,26 +5660,20 @@
           <a:noFill/>
         </p:spPr>
         <p:txBody>
-          <a:bodyPr wrap="square">
+          <a:bodyPr wrap="square" lIns="91440" tIns="45720" rIns="91440" bIns="45720" anchor="t">
             <a:spAutoFit/>
           </a:bodyPr>
           <a:lstStyle/>
           <a:p>
             <a:r>
               <a:rPr lang="en-US" sz="4400" b="1">
-                <a:solidFill>
-                  <a:srgbClr val="C00000"/>
-                </a:solidFill>
-                <a:latin typeface="Garamond" panose="02020404030301010803" pitchFamily="18" charset="0"/>
+                <a:latin typeface="Garamond"/>
               </a:rPr>
               <a:t>Data Info: </a:t>
             </a:r>
             <a:r>
               <a:rPr lang="en-US" sz="4400">
-                <a:solidFill>
-                  <a:srgbClr val="C00000"/>
-                </a:solidFill>
-                <a:latin typeface="Garamond" panose="02020404030301010803" pitchFamily="18" charset="0"/>
+                <a:latin typeface="Garamond"/>
               </a:rPr>
               <a:t>Lap times for each driver (and constructor) that participated in the 2023 F1 Miami Grand Prix</a:t>
             </a:r>
@@ -5717,7 +5702,7 @@
         </p:blipFill>
         <p:spPr>
           <a:xfrm>
-            <a:off x="38671242" y="17932160"/>
+            <a:off x="38917131" y="18116577"/>
             <a:ext cx="3894446" cy="2584662"/>
           </a:xfrm>
           <a:prstGeom prst="rect">
@@ -5747,7 +5732,7 @@
         </p:blipFill>
         <p:spPr>
           <a:xfrm>
-            <a:off x="9216046" y="27054377"/>
+            <a:off x="9629647" y="27238794"/>
             <a:ext cx="3455876" cy="2469838"/>
           </a:xfrm>
           <a:prstGeom prst="rect">
@@ -5769,7 +5754,7 @@
         </p:nvSpPr>
         <p:spPr>
           <a:xfrm>
-            <a:off x="15563442" y="25074340"/>
+            <a:off x="15629944" y="25074340"/>
             <a:ext cx="12714514" cy="1446550"/>
           </a:xfrm>
           <a:prstGeom prst="rect">
@@ -5778,26 +5763,20 @@
           <a:noFill/>
         </p:spPr>
         <p:txBody>
-          <a:bodyPr wrap="square">
+          <a:bodyPr wrap="square" lIns="91440" tIns="45720" rIns="91440" bIns="45720" anchor="t">
             <a:spAutoFit/>
           </a:bodyPr>
           <a:lstStyle/>
           <a:p>
             <a:r>
               <a:rPr lang="en-US" sz="4400" b="1">
-                <a:solidFill>
-                  <a:srgbClr val="C00000"/>
-                </a:solidFill>
-                <a:latin typeface="Garamond" panose="02020404030301010803" pitchFamily="18" charset="0"/>
+                <a:latin typeface="Garamond"/>
               </a:rPr>
               <a:t>Data Info: </a:t>
             </a:r>
             <a:r>
               <a:rPr lang="en-US" sz="4400">
-                <a:solidFill>
-                  <a:srgbClr val="C00000"/>
-                </a:solidFill>
-                <a:latin typeface="Garamond" panose="02020404030301010803" pitchFamily="18" charset="0"/>
+                <a:latin typeface="Garamond"/>
               </a:rPr>
               <a:t>Analyzing synergistic relationships between ADC and Support champions in League of Legends.</a:t>
             </a:r>
@@ -5818,8 +5797,8 @@
         </p:nvSpPr>
         <p:spPr>
           <a:xfrm>
-            <a:off x="15647050" y="26520890"/>
-            <a:ext cx="7658543" cy="6186309"/>
+            <a:off x="15602716" y="26520890"/>
+            <a:ext cx="7991051" cy="5509200"/>
           </a:xfrm>
           <a:prstGeom prst="rect">
             <a:avLst/>
@@ -5827,48 +5806,44 @@
           <a:noFill/>
         </p:spPr>
         <p:txBody>
-          <a:bodyPr wrap="square" rtlCol="0">
+          <a:bodyPr wrap="square" lIns="91440" tIns="45720" rIns="91440" bIns="45720" rtlCol="0" anchor="t">
             <a:spAutoFit/>
           </a:bodyPr>
           <a:lstStyle/>
           <a:p>
             <a:r>
-              <a:rPr lang="en-US" sz="4400" b="1" dirty="0">
-                <a:solidFill>
-                  <a:srgbClr val="C00000"/>
-                </a:solidFill>
-                <a:latin typeface="Garamond" panose="02020404030301010803" pitchFamily="18" charset="0"/>
+              <a:rPr lang="en-US" sz="4400" b="1">
+                <a:latin typeface="Garamond"/>
               </a:rPr>
               <a:t>Module Goals:</a:t>
             </a:r>
           </a:p>
           <a:p>
-            <a:r>
-              <a:rPr lang="en-US" sz="4400" dirty="0">
-                <a:solidFill>
-                  <a:srgbClr val="C00000"/>
-                </a:solidFill>
-                <a:latin typeface="Garamond" panose="02020404030301010803" pitchFamily="18" charset="0"/>
-              </a:rPr>
-              <a:t>1. Utilize Chi-Squared analysis to explore significant relationships between the top and bottom five most popular champions</a:t>
-            </a:r>
-          </a:p>
-          <a:p>
-            <a:r>
-              <a:rPr lang="en-US" sz="4400" dirty="0">
-                <a:solidFill>
-                  <a:srgbClr val="C00000"/>
-                </a:solidFill>
-                <a:latin typeface="Garamond" panose="02020404030301010803" pitchFamily="18" charset="0"/>
-              </a:rPr>
-              <a:t>2.  Understand the use of Chi-Squared to identify statistical significance</a:t>
-            </a:r>
-          </a:p>
-          <a:p>
-            <a:endParaRPr lang="en-US" sz="4400" dirty="0">
-              <a:solidFill>
-                <a:srgbClr val="C00000"/>
-              </a:solidFill>
+            <a:pPr marL="571500" indent="-571500">
+              <a:buFont typeface="Arial"/>
+              <a:buChar char="•"/>
+            </a:pPr>
+            <a:r>
+              <a:rPr lang="en-US" sz="4400">
+                <a:latin typeface="Garamond"/>
+              </a:rPr>
+              <a:t>Utilize Chi-Squared analysis to explore significant relationships between top and bottom five most popular champions</a:t>
+            </a:r>
+          </a:p>
+          <a:p>
+            <a:pPr marL="571500" indent="-571500">
+              <a:buFont typeface="Arial"/>
+              <a:buChar char="•"/>
+            </a:pPr>
+            <a:r>
+              <a:rPr lang="en-US" sz="4400">
+                <a:latin typeface="Garamond"/>
+              </a:rPr>
+              <a:t>Understand use of Chi-Squared to identify statistical significance</a:t>
+            </a:r>
+          </a:p>
+          <a:p>
+            <a:endParaRPr lang="en-US" sz="4400">
               <a:latin typeface="Garamond" panose="02020404030301010803" pitchFamily="18" charset="0"/>
             </a:endParaRPr>
           </a:p>
@@ -5896,8 +5871,8 @@
         </p:blipFill>
         <p:spPr>
           <a:xfrm>
-            <a:off x="23230503" y="26838258"/>
-            <a:ext cx="5213350" cy="2902076"/>
+            <a:off x="23638642" y="27575925"/>
+            <a:ext cx="4721572" cy="2625451"/>
           </a:xfrm>
           <a:prstGeom prst="rect">
             <a:avLst/>
@@ -5918,8 +5893,8 @@
         </p:nvSpPr>
         <p:spPr>
           <a:xfrm>
-            <a:off x="29868298" y="17560215"/>
-            <a:ext cx="8802944" cy="4401205"/>
+            <a:off x="29899034" y="17498743"/>
+            <a:ext cx="8772208" cy="4277928"/>
           </a:xfrm>
           <a:prstGeom prst="rect">
             <a:avLst/>
@@ -5927,16 +5902,13 @@
           <a:noFill/>
         </p:spPr>
         <p:txBody>
-          <a:bodyPr wrap="square" rtlCol="0">
+          <a:bodyPr wrap="square" lIns="91440" tIns="45720" rIns="91440" bIns="45720" rtlCol="0" anchor="t">
             <a:spAutoFit/>
           </a:bodyPr>
           <a:lstStyle/>
           <a:p>
             <a:r>
-              <a:rPr lang="en-US" sz="4000" b="1">
-                <a:solidFill>
-                  <a:srgbClr val="C00000"/>
-                </a:solidFill>
+              <a:rPr lang="en-US" sz="4400" b="1">
                 <a:latin typeface="Garamond"/>
               </a:rPr>
               <a:t>Module Goals:</a:t>
@@ -5944,100 +5916,39 @@
           </a:p>
           <a:p>
             <a:pPr marL="742950" indent="-742950">
-              <a:buAutoNum type="arabicPeriod"/>
+              <a:buFont typeface="Arial"/>
+              <a:buChar char="•"/>
             </a:pPr>
             <a:r>
-              <a:rPr lang="en-US" sz="4000">
-                <a:solidFill>
-                  <a:srgbClr val="C00000"/>
-                </a:solidFill>
-                <a:latin typeface="Garamond"/>
-              </a:rPr>
-              <a:t>Use randomized block design to assess difference in mean speed based on skier name and distance interval (STAT213)</a:t>
+              <a:rPr lang="en-US" sz="4400">
+                <a:latin typeface="Garamond"/>
+              </a:rPr>
+              <a:t>Use randomized block design to assess difference in mean speed based on skier and distance interval </a:t>
             </a:r>
           </a:p>
           <a:p>
             <a:pPr marL="742950" indent="-742950">
-              <a:buAutoNum type="arabicPeriod"/>
+              <a:buFont typeface="Arial"/>
+              <a:buChar char="•"/>
             </a:pPr>
             <a:r>
-              <a:rPr lang="en-US" sz="4000">
-                <a:solidFill>
-                  <a:srgbClr val="C00000"/>
-                </a:solidFill>
+              <a:rPr lang="en-US" sz="4400">
                 <a:latin typeface="Garamond"/>
               </a:rPr>
               <a:t>Use </a:t>
             </a:r>
             <a:r>
-              <a:rPr lang="en-US" sz="4000" err="1">
-                <a:solidFill>
-                  <a:srgbClr val="C00000"/>
-                </a:solidFill>
-                <a:latin typeface="Garamond"/>
-              </a:rPr>
-              <a:t>Dplyr</a:t>
-            </a:r>
-            <a:r>
-              <a:rPr lang="en-US" sz="4000">
-                <a:solidFill>
-                  <a:srgbClr val="C00000"/>
-                </a:solidFill>
-                <a:latin typeface="Garamond"/>
-              </a:rPr>
-              <a:t> to calculate the speed of each skier at each distance (DS/STAT234)</a:t>
-            </a:r>
-          </a:p>
-        </p:txBody>
-      </p:sp>
-      <p:sp>
-        <p:nvSpPr>
-          <p:cNvPr id="42" name="Rectangle 41">
-            <a:extLst>
-              <a:ext uri="{FF2B5EF4-FFF2-40B4-BE49-F238E27FC236}">
-                <a16:creationId xmlns:a16="http://schemas.microsoft.com/office/drawing/2014/main" id="{2890F38C-6FD8-CF76-8FD5-B50D823579A3}"/>
-              </a:ext>
-            </a:extLst>
-          </p:cNvPr>
-          <p:cNvSpPr/>
-          <p:nvPr/>
-        </p:nvSpPr>
-        <p:spPr>
-          <a:xfrm>
-            <a:off x="927180" y="14365668"/>
-            <a:ext cx="13344023" cy="8508038"/>
-          </a:xfrm>
-          <a:prstGeom prst="rect">
-            <a:avLst/>
-          </a:prstGeom>
-          <a:noFill/>
-        </p:spPr>
-        <p:style>
-          <a:lnRef idx="2">
-            <a:schemeClr val="accent1">
-              <a:shade val="50000"/>
-            </a:schemeClr>
-          </a:lnRef>
-          <a:fillRef idx="1">
-            <a:schemeClr val="accent1"/>
-          </a:fillRef>
-          <a:effectRef idx="0">
-            <a:schemeClr val="accent1"/>
-          </a:effectRef>
-          <a:fontRef idx="minor">
-            <a:schemeClr val="lt1"/>
-          </a:fontRef>
-        </p:style>
-        <p:txBody>
-          <a:bodyPr rtlCol="0" anchor="ctr"/>
-          <a:lstStyle/>
-          <a:p>
-            <a:pPr algn="ctr"/>
-            <a:endParaRPr lang="en-US">
-              <a:solidFill>
-                <a:srgbClr val="C00000"/>
-              </a:solidFill>
-            </a:endParaRPr>
+              <a:rPr lang="en-US" sz="4400" err="1">
+                <a:latin typeface="Garamond"/>
+              </a:rPr>
+              <a:t>dplyr</a:t>
+            </a:r>
+            <a:r>
+              <a:rPr lang="en-US" sz="4400">
+                <a:latin typeface="Garamond"/>
+              </a:rPr>
+              <a:t> to calculate the speed of each skier at each distance </a:t>
+            </a:r>
           </a:p>
         </p:txBody>
       </p:sp>
@@ -6055,8 +5966,8 @@
         </p:nvSpPr>
         <p:spPr>
           <a:xfrm>
-            <a:off x="1241934" y="14429606"/>
-            <a:ext cx="12714514" cy="7109639"/>
+            <a:off x="1286268" y="14464112"/>
+            <a:ext cx="12714514" cy="8463855"/>
           </a:xfrm>
           <a:prstGeom prst="rect">
             <a:avLst/>
@@ -6084,13 +5995,107 @@
           <a:p>
             <a:r>
               <a:rPr lang="en-US" sz="4400" b="1">
-                <a:solidFill>
-                  <a:srgbClr val="C00000"/>
-                </a:solidFill>
                 <a:latin typeface="Garamond"/>
               </a:rPr>
               <a:t>Data Info:</a:t>
             </a:r>
+            <a:r>
+              <a:rPr lang="en-US" sz="4400">
+                <a:latin typeface="Garamond"/>
+              </a:rPr>
+              <a:t> Defense and striking statistics for each fighter that competed in the UFC from 1993 to 2021.</a:t>
+            </a:r>
+          </a:p>
+          <a:p>
+            <a:r>
+              <a:rPr lang="en-US" sz="4400" b="1">
+                <a:latin typeface="Garamond"/>
+              </a:rPr>
+              <a:t>Module Goals:</a:t>
+            </a:r>
+          </a:p>
+          <a:p>
+            <a:pPr marL="742950" indent="-742950">
+              <a:buFont typeface="Arial"/>
+              <a:buChar char="•"/>
+            </a:pPr>
+            <a:r>
+              <a:rPr lang="en-US" sz="4400">
+                <a:latin typeface="Garamond"/>
+              </a:rPr>
+              <a:t>Using the Normal distribution </a:t>
+            </a:r>
+            <a:br>
+              <a:rPr lang="en-US" sz="4400">
+                <a:latin typeface="Garamond"/>
+              </a:rPr>
+            </a:br>
+            <a:r>
+              <a:rPr lang="en-US" sz="4400">
+                <a:latin typeface="Garamond"/>
+              </a:rPr>
+              <a:t>in a real-world application </a:t>
+            </a:r>
+          </a:p>
+          <a:p>
+            <a:pPr marL="742950" indent="-742950">
+              <a:buFont typeface="Arial"/>
+              <a:buChar char="•"/>
+            </a:pPr>
+            <a:r>
+              <a:rPr lang="en-US" sz="4400">
+                <a:latin typeface="Garamond"/>
+              </a:rPr>
+              <a:t>Identifying proportions, quartiles</a:t>
+            </a:r>
+            <a:br>
+              <a:rPr lang="en-US" sz="4400">
+                <a:latin typeface="Garamond"/>
+              </a:rPr>
+            </a:br>
+            <a:r>
+              <a:rPr lang="en-US" sz="4400">
+                <a:latin typeface="Garamond"/>
+              </a:rPr>
+              <a:t>and ranges</a:t>
+            </a:r>
+          </a:p>
+          <a:p>
+            <a:pPr marL="742950" indent="-742950">
+              <a:buFont typeface="Arial"/>
+              <a:buChar char="•"/>
+            </a:pPr>
+            <a:r>
+              <a:rPr lang="en-US" sz="4400">
+                <a:latin typeface="Garamond"/>
+              </a:rPr>
+              <a:t>Using </a:t>
+            </a:r>
+            <a:r>
+              <a:rPr lang="en-US" sz="4400" err="1">
+                <a:latin typeface="Garamond"/>
+              </a:rPr>
+              <a:t>StatKey</a:t>
+            </a:r>
+            <a:r>
+              <a:rPr lang="en-US" sz="4400">
+                <a:latin typeface="Garamond"/>
+              </a:rPr>
+              <a:t> given a mean and </a:t>
+            </a:r>
+            <a:br>
+              <a:rPr lang="en-US" sz="4400">
+                <a:latin typeface="Garamond"/>
+              </a:rPr>
+            </a:br>
+            <a:r>
+              <a:rPr lang="en-US" sz="4400">
+                <a:latin typeface="Garamond"/>
+              </a:rPr>
+              <a:t>standard deviation</a:t>
+            </a:r>
+          </a:p>
+          <a:p>
             <a:r>
               <a:rPr lang="en-US" sz="4400">
                 <a:solidFill>
@@ -6098,94 +6103,13 @@
                 </a:solidFill>
                 <a:latin typeface="Garamond"/>
               </a:rPr>
-              <a:t> Defense and striking statistics for each fighter that competed in the UFC from 1993 to 2021.</a:t>
-            </a:r>
-          </a:p>
-          <a:p>
-            <a:r>
-              <a:rPr lang="en-US" sz="4400" b="1">
-                <a:solidFill>
-                  <a:srgbClr val="C00000"/>
-                </a:solidFill>
-                <a:latin typeface="Garamond"/>
-              </a:rPr>
-              <a:t>Module Goals:</a:t>
+              <a:t> </a:t>
             </a:r>
           </a:p>
           <a:p>
             <a:pPr marL="742950" indent="-742950">
-              <a:buAutoNum type="arabicPeriod"/>
-            </a:pPr>
-            <a:r>
-              <a:rPr lang="en-US" sz="4400">
-                <a:solidFill>
-                  <a:srgbClr val="C00000"/>
-                </a:solidFill>
-                <a:latin typeface="Garamond"/>
-              </a:rPr>
-              <a:t>Using the Normal distribution in a real-world application </a:t>
-            </a:r>
-          </a:p>
-          <a:p>
-            <a:pPr marL="742950" indent="-742950">
-              <a:buAutoNum type="arabicPeriod"/>
-            </a:pPr>
-            <a:r>
-              <a:rPr lang="en-US" sz="4400">
-                <a:solidFill>
-                  <a:srgbClr val="C00000"/>
-                </a:solidFill>
-                <a:latin typeface="Garamond"/>
-              </a:rPr>
-              <a:t>Identifying proportions, quartiles and ranges</a:t>
-            </a:r>
-          </a:p>
-          <a:p>
-            <a:pPr marL="742950" indent="-742950">
-              <a:buAutoNum type="arabicPeriod"/>
-            </a:pPr>
-            <a:r>
-              <a:rPr lang="en-US" sz="4400">
-                <a:solidFill>
-                  <a:srgbClr val="C00000"/>
-                </a:solidFill>
-                <a:latin typeface="Garamond"/>
-              </a:rPr>
-              <a:t>Using </a:t>
-            </a:r>
-            <a:r>
-              <a:rPr lang="en-US" sz="4400" err="1">
-                <a:solidFill>
-                  <a:srgbClr val="C00000"/>
-                </a:solidFill>
-                <a:latin typeface="Garamond"/>
-              </a:rPr>
-              <a:t>StatKey</a:t>
-            </a:r>
-            <a:r>
-              <a:rPr lang="en-US" sz="4400">
-                <a:solidFill>
-                  <a:srgbClr val="C00000"/>
-                </a:solidFill>
-                <a:latin typeface="Garamond"/>
-              </a:rPr>
-              <a:t> given a mean and standard deviation</a:t>
-            </a:r>
-          </a:p>
-          <a:p>
-            <a:r>
-              <a:rPr lang="en-US" sz="4400">
-                <a:solidFill>
-                  <a:srgbClr val="C00000"/>
-                </a:solidFill>
-                <a:latin typeface="Garamond"/>
-              </a:rPr>
-              <a:t> </a:t>
-            </a:r>
-          </a:p>
-          <a:p>
-            <a:pPr marL="742950" indent="-742950">
-              <a:buAutoNum type="arabicPeriod"/>
+              <a:buFont typeface="Arial"/>
+              <a:buChar char="•"/>
             </a:pPr>
             <a:endParaRPr lang="en-US" sz="4400">
               <a:solidFill>
@@ -6210,7 +6134,7 @@
         </p:nvSpPr>
         <p:spPr>
           <a:xfrm>
-            <a:off x="1504584" y="22052138"/>
+            <a:off x="1548918" y="22086644"/>
             <a:ext cx="12714514" cy="769441"/>
           </a:xfrm>
           <a:prstGeom prst="rect">
@@ -6280,7 +6204,7 @@
         </p:blipFill>
         <p:spPr>
           <a:xfrm>
-            <a:off x="1510188" y="20374685"/>
+            <a:off x="9638125" y="19087537"/>
             <a:ext cx="4090240" cy="2300879"/>
           </a:xfrm>
           <a:prstGeom prst="rect">
@@ -6288,81 +6212,6 @@
           </a:prstGeom>
         </p:spPr>
       </p:pic>
-      <p:pic>
-        <p:nvPicPr>
-          <p:cNvPr id="8" name="Picture 7" descr="A red text on a white background&#10;&#10;Description automatically generated">
-            <a:extLst>
-              <a:ext uri="{FF2B5EF4-FFF2-40B4-BE49-F238E27FC236}">
-                <a16:creationId xmlns:a16="http://schemas.microsoft.com/office/drawing/2014/main" id="{F6C5E9A4-023E-7E4A-64B1-3F4639F3FD4E}"/>
-              </a:ext>
-            </a:extLst>
-          </p:cNvPr>
-          <p:cNvPicPr>
-            <a:picLocks noChangeAspect="1"/>
-          </p:cNvPicPr>
-          <p:nvPr/>
-        </p:nvPicPr>
-        <p:blipFill>
-          <a:blip r:embed="rId13"/>
-          <a:stretch>
-            <a:fillRect/>
-          </a:stretch>
-        </p:blipFill>
-        <p:spPr>
-          <a:xfrm>
-            <a:off x="7713364" y="20302056"/>
-            <a:ext cx="2647823" cy="1533717"/>
-          </a:xfrm>
-          <a:prstGeom prst="rect">
-            <a:avLst/>
-          </a:prstGeom>
-        </p:spPr>
-      </p:pic>
-      <p:sp>
-        <p:nvSpPr>
-          <p:cNvPr id="21" name="AutoShape 2">
-            <a:extLst>
-              <a:ext uri="{FF2B5EF4-FFF2-40B4-BE49-F238E27FC236}">
-                <a16:creationId xmlns:a16="http://schemas.microsoft.com/office/drawing/2014/main" id="{C933F154-1086-6EDC-FADA-C09777230AB7}"/>
-              </a:ext>
-            </a:extLst>
-          </p:cNvPr>
-          <p:cNvSpPr>
-            <a:spLocks noChangeAspect="1" noChangeArrowheads="1"/>
-          </p:cNvSpPr>
-          <p:nvPr/>
-        </p:nvSpPr>
-        <p:spPr bwMode="auto">
-          <a:xfrm>
-            <a:off x="3740727" y="-1745673"/>
-            <a:ext cx="18357273" cy="18357273"/>
-          </a:xfrm>
-          <a:prstGeom prst="rect">
-            <a:avLst/>
-          </a:prstGeom>
-          <a:noFill/>
-          <a:extLst>
-            <a:ext uri="{909E8E84-426E-40DD-AFC4-6F175D3DCCD1}">
-              <a14:hiddenFill xmlns:a14="http://schemas.microsoft.com/office/drawing/2010/main">
-                <a:solidFill>
-                  <a:srgbClr val="FFFFFF"/>
-                </a:solidFill>
-              </a14:hiddenFill>
-            </a:ext>
-          </a:extLst>
-        </p:spPr>
-        <p:txBody>
-          <a:bodyPr vert="horz" wrap="square" lIns="91440" tIns="45720" rIns="91440" bIns="45720" numCol="1" anchor="t" anchorCtr="0" compatLnSpc="1">
-            <a:prstTxWarp prst="textNoShape">
-              <a:avLst/>
-            </a:prstTxWarp>
-          </a:bodyPr>
-          <a:lstStyle/>
-          <a:p>
-            <a:endParaRPr lang="en-US"/>
-          </a:p>
-        </p:txBody>
-      </p:sp>
       <p:pic>
         <p:nvPicPr>
           <p:cNvPr id="38" name="Picture 37" descr="A qr code on a white background&#10;&#10;Description automatically generated">
@@ -6377,16 +6226,15 @@
           </p:cNvPicPr>
           <p:nvPr/>
         </p:nvPicPr>
-        <p:blipFill>
-          <a:blip r:embed="rId14"/>
-          <a:stretch>
-            <a:fillRect/>
-          </a:stretch>
+        <p:blipFill rotWithShape="1">
+          <a:blip r:embed="rId13"/>
+          <a:srcRect t="3486" r="-1483" b="689"/>
+          <a:stretch/>
         </p:blipFill>
         <p:spPr>
           <a:xfrm>
-            <a:off x="927180" y="499276"/>
-            <a:ext cx="5104034" cy="4661629"/>
+            <a:off x="38919298" y="28483607"/>
+            <a:ext cx="4077438" cy="3489874"/>
           </a:xfrm>
           <a:prstGeom prst="rect">
             <a:avLst/>
@@ -6408,7 +6256,7 @@
           <p:nvPr/>
         </p:nvPicPr>
         <p:blipFill>
-          <a:blip r:embed="rId15">
+          <a:blip r:embed="rId14">
             <a:extLst>
               <a:ext uri="{28A0092B-C50C-407E-A947-70E740481C1C}">
                 <a14:useLocalDpi xmlns:a14="http://schemas.microsoft.com/office/drawing/2010/main" val="0"/>
@@ -6422,8 +6270,8 @@
         </p:blipFill>
         <p:spPr bwMode="auto">
           <a:xfrm>
-            <a:off x="23074147" y="18807502"/>
-            <a:ext cx="5039684" cy="1259921"/>
+            <a:off x="23473716" y="20229933"/>
+            <a:ext cx="4117600" cy="1014032"/>
           </a:xfrm>
           <a:prstGeom prst="rect">
             <a:avLst/>
@@ -6473,25 +6321,16 @@
           <a:p>
             <a:r>
               <a:rPr lang="en-US" sz="4400" b="1">
-                <a:solidFill>
-                  <a:srgbClr val="C00000"/>
-                </a:solidFill>
                 <a:latin typeface="Garamond"/>
               </a:rPr>
               <a:t>Data Info: </a:t>
             </a:r>
             <a:r>
               <a:rPr lang="en-US" sz="4400">
-                <a:solidFill>
-                  <a:srgbClr val="C00000"/>
-                </a:solidFill>
                 <a:latin typeface="Garamond"/>
               </a:rPr>
               <a:t>Olympics info about both medals and athletes</a:t>
             </a:r>
-            <a:endParaRPr lang="en-US" sz="4400">
-              <a:latin typeface="Garamond"/>
-            </a:endParaRPr>
           </a:p>
         </p:txBody>
       </p:sp>
@@ -6528,9 +6367,6 @@
           <a:p>
             <a:r>
               <a:rPr lang="en-US" sz="4400" b="1">
-                <a:solidFill>
-                  <a:srgbClr val="C00000"/>
-                </a:solidFill>
                 <a:latin typeface="Garamond"/>
                 <a:cs typeface="Arial"/>
               </a:rPr>
@@ -6551,9 +6387,6 @@
             </a:pPr>
             <a:r>
               <a:rPr lang="en-US" sz="4400">
-                <a:solidFill>
-                  <a:srgbClr val="C00000"/>
-                </a:solidFill>
                 <a:latin typeface="Garamond"/>
                 <a:cs typeface="Arial"/>
               </a:rPr>
@@ -6567,9 +6400,6 @@
             </a:pPr>
             <a:r>
               <a:rPr lang="en-US" sz="4400">
-                <a:solidFill>
-                  <a:srgbClr val="C00000"/>
-                </a:solidFill>
                 <a:latin typeface="Garamond"/>
                 <a:cs typeface="Arial"/>
               </a:rPr>
@@ -6578,6 +6408,96 @@
           </a:p>
         </p:txBody>
       </p:sp>
+      <p:pic>
+        <p:nvPicPr>
+          <p:cNvPr id="49" name="Picture 48" descr="SCORE network logo">
+            <a:extLst>
+              <a:ext uri="{FF2B5EF4-FFF2-40B4-BE49-F238E27FC236}">
+                <a16:creationId xmlns:a16="http://schemas.microsoft.com/office/drawing/2014/main" id="{0A6BF2F3-4BB4-88BE-ABA2-246B022FAAC8}"/>
+              </a:ext>
+            </a:extLst>
+          </p:cNvPr>
+          <p:cNvPicPr>
+            <a:picLocks noChangeAspect="1"/>
+          </p:cNvPicPr>
+          <p:nvPr/>
+        </p:nvPicPr>
+        <p:blipFill>
+          <a:blip r:embed="rId15"/>
+          <a:stretch>
+            <a:fillRect/>
+          </a:stretch>
+        </p:blipFill>
+        <p:spPr>
+          <a:xfrm>
+            <a:off x="216848" y="26919"/>
+            <a:ext cx="7395326" cy="5462984"/>
+          </a:xfrm>
+          <a:prstGeom prst="rect">
+            <a:avLst/>
+          </a:prstGeom>
+        </p:spPr>
+      </p:pic>
+      <p:pic>
+        <p:nvPicPr>
+          <p:cNvPr id="52" name="Picture 51" descr="File:UFC Logo.png - Wikipedia">
+            <a:extLst>
+              <a:ext uri="{FF2B5EF4-FFF2-40B4-BE49-F238E27FC236}">
+                <a16:creationId xmlns:a16="http://schemas.microsoft.com/office/drawing/2014/main" id="{3B5B4A92-968D-FB9E-BD1F-C953E5A48036}"/>
+              </a:ext>
+            </a:extLst>
+          </p:cNvPr>
+          <p:cNvPicPr>
+            <a:picLocks noChangeAspect="1"/>
+          </p:cNvPicPr>
+          <p:nvPr/>
+        </p:nvPicPr>
+        <p:blipFill>
+          <a:blip r:embed="rId16"/>
+          <a:stretch>
+            <a:fillRect/>
+          </a:stretch>
+        </p:blipFill>
+        <p:spPr>
+          <a:xfrm>
+            <a:off x="10308131" y="17555571"/>
+            <a:ext cx="2743199" cy="949884"/>
+          </a:xfrm>
+          <a:prstGeom prst="rect">
+            <a:avLst/>
+          </a:prstGeom>
+        </p:spPr>
+      </p:pic>
+      <p:pic>
+        <p:nvPicPr>
+          <p:cNvPr id="56" name="Picture 55" descr="Miami Grand Prix 2024 - F1 Race">
+            <a:extLst>
+              <a:ext uri="{FF2B5EF4-FFF2-40B4-BE49-F238E27FC236}">
+                <a16:creationId xmlns:a16="http://schemas.microsoft.com/office/drawing/2014/main" id="{8EB653B8-9A49-1E6B-7D92-6F0AEF8841A4}"/>
+              </a:ext>
+            </a:extLst>
+          </p:cNvPr>
+          <p:cNvPicPr>
+            <a:picLocks noChangeAspect="1"/>
+          </p:cNvPicPr>
+          <p:nvPr/>
+        </p:nvPicPr>
+        <p:blipFill>
+          <a:blip r:embed="rId17"/>
+          <a:stretch>
+            <a:fillRect/>
+          </a:stretch>
+        </p:blipFill>
+        <p:spPr>
+          <a:xfrm>
+            <a:off x="22971419" y="17132015"/>
+            <a:ext cx="5509450" cy="3080372"/>
+          </a:xfrm>
+          <a:prstGeom prst="rect">
+            <a:avLst/>
+          </a:prstGeom>
+        </p:spPr>
+      </p:pic>
     </p:spTree>
     <p:extLst>
       <p:ext uri="{BB962C8B-B14F-4D97-AF65-F5344CB8AC3E}">

--- a/FoSSC/SCORE Poster.pptx
+++ b/FoSSC/SCORE Poster.pptx
@@ -211,7 +211,7 @@
           <a:p>
             <a:fld id="{DFDEE8B5-D014-7C4F-A3CF-CD1065611085}" type="datetimeFigureOut">
               <a:rPr lang="en-US" smtClean="0"/>
-              <a:t>4/19/24</a:t>
+              <a:t>4/20/2024</a:t>
             </a:fld>
             <a:endParaRPr lang="en-US"/>
           </a:p>
@@ -939,7 +939,7 @@
           <a:p>
             <a:fld id="{2DC29746-1088-C241-BC8C-4CC03DF23E15}" type="datetimeFigureOut">
               <a:rPr lang="en-US" smtClean="0"/>
-              <a:t>4/19/24</a:t>
+              <a:t>4/20/2024</a:t>
             </a:fld>
             <a:endParaRPr lang="en-US"/>
           </a:p>
@@ -1107,7 +1107,7 @@
           <a:p>
             <a:fld id="{2DC29746-1088-C241-BC8C-4CC03DF23E15}" type="datetimeFigureOut">
               <a:rPr lang="en-US" smtClean="0"/>
-              <a:t>4/19/24</a:t>
+              <a:t>4/20/2024</a:t>
             </a:fld>
             <a:endParaRPr lang="en-US"/>
           </a:p>
@@ -1285,7 +1285,7 @@
           <a:p>
             <a:fld id="{2DC29746-1088-C241-BC8C-4CC03DF23E15}" type="datetimeFigureOut">
               <a:rPr lang="en-US" smtClean="0"/>
-              <a:t>4/19/24</a:t>
+              <a:t>4/20/2024</a:t>
             </a:fld>
             <a:endParaRPr lang="en-US"/>
           </a:p>
@@ -1453,7 +1453,7 @@
           <a:p>
             <a:fld id="{2DC29746-1088-C241-BC8C-4CC03DF23E15}" type="datetimeFigureOut">
               <a:rPr lang="en-US" smtClean="0"/>
-              <a:t>4/19/24</a:t>
+              <a:t>4/20/2024</a:t>
             </a:fld>
             <a:endParaRPr lang="en-US"/>
           </a:p>
@@ -1696,7 +1696,7 @@
           <a:p>
             <a:fld id="{2DC29746-1088-C241-BC8C-4CC03DF23E15}" type="datetimeFigureOut">
               <a:rPr lang="en-US" smtClean="0"/>
-              <a:t>4/19/24</a:t>
+              <a:t>4/20/2024</a:t>
             </a:fld>
             <a:endParaRPr lang="en-US"/>
           </a:p>
@@ -1925,7 +1925,7 @@
           <a:p>
             <a:fld id="{2DC29746-1088-C241-BC8C-4CC03DF23E15}" type="datetimeFigureOut">
               <a:rPr lang="en-US" smtClean="0"/>
-              <a:t>4/19/24</a:t>
+              <a:t>4/20/2024</a:t>
             </a:fld>
             <a:endParaRPr lang="en-US"/>
           </a:p>
@@ -2289,7 +2289,7 @@
           <a:p>
             <a:fld id="{2DC29746-1088-C241-BC8C-4CC03DF23E15}" type="datetimeFigureOut">
               <a:rPr lang="en-US" smtClean="0"/>
-              <a:t>4/19/24</a:t>
+              <a:t>4/20/2024</a:t>
             </a:fld>
             <a:endParaRPr lang="en-US"/>
           </a:p>
@@ -2406,7 +2406,7 @@
           <a:p>
             <a:fld id="{2DC29746-1088-C241-BC8C-4CC03DF23E15}" type="datetimeFigureOut">
               <a:rPr lang="en-US" smtClean="0"/>
-              <a:t>4/19/24</a:t>
+              <a:t>4/20/2024</a:t>
             </a:fld>
             <a:endParaRPr lang="en-US"/>
           </a:p>
@@ -2501,7 +2501,7 @@
           <a:p>
             <a:fld id="{2DC29746-1088-C241-BC8C-4CC03DF23E15}" type="datetimeFigureOut">
               <a:rPr lang="en-US" smtClean="0"/>
-              <a:t>4/19/24</a:t>
+              <a:t>4/20/2024</a:t>
             </a:fld>
             <a:endParaRPr lang="en-US"/>
           </a:p>
@@ -2776,7 +2776,7 @@
           <a:p>
             <a:fld id="{2DC29746-1088-C241-BC8C-4CC03DF23E15}" type="datetimeFigureOut">
               <a:rPr lang="en-US" smtClean="0"/>
-              <a:t>4/19/24</a:t>
+              <a:t>4/20/2024</a:t>
             </a:fld>
             <a:endParaRPr lang="en-US"/>
           </a:p>
@@ -3031,7 +3031,7 @@
           <a:p>
             <a:fld id="{2DC29746-1088-C241-BC8C-4CC03DF23E15}" type="datetimeFigureOut">
               <a:rPr lang="en-US" smtClean="0"/>
-              <a:t>4/19/24</a:t>
+              <a:t>4/20/2024</a:t>
             </a:fld>
             <a:endParaRPr lang="en-US"/>
           </a:p>
@@ -3242,7 +3242,7 @@
           <a:p>
             <a:fld id="{2DC29746-1088-C241-BC8C-4CC03DF23E15}" type="datetimeFigureOut">
               <a:rPr lang="en-US" smtClean="0"/>
-              <a:t>4/19/24</a:t>
+              <a:t>4/20/2024</a:t>
             </a:fld>
             <a:endParaRPr lang="en-US"/>
           </a:p>
@@ -4436,7 +4436,7 @@
           <a:p>
             <a:pPr algn="ctr"/>
             <a:r>
-              <a:rPr lang="en-US" sz="6000" b="1">
+              <a:rPr lang="en-US" sz="5400" b="1" dirty="0">
                 <a:solidFill>
                   <a:srgbClr val="C00000"/>
                 </a:solidFill>
@@ -4447,7 +4447,7 @@
           </a:p>
           <a:p>
             <a:r>
-              <a:rPr lang="en-US" sz="4400">
+              <a:rPr lang="en-US" sz="4400" dirty="0">
                 <a:latin typeface="Garamond"/>
               </a:rPr>
               <a:t>The SCORE Network is an NSF funded organization that…</a:t>
@@ -4459,7 +4459,7 @@
               <a:buChar char="•"/>
             </a:pPr>
             <a:r>
-              <a:rPr lang="en-US" sz="4400">
+              <a:rPr lang="en-US" sz="4400" dirty="0">
                 <a:latin typeface="Garamond"/>
               </a:rPr>
               <a:t>Develops and distributes Sports Content for Outreach, Research, and Education (SCORE) </a:t>
@@ -4471,12 +4471,12 @@
               <a:buChar char="•"/>
             </a:pPr>
             <a:r>
-              <a:rPr lang="en-US" sz="4400">
+              <a:rPr lang="en-US" sz="4400" dirty="0">
                 <a:latin typeface="Garamond"/>
               </a:rPr>
               <a:t>Seeks to implement an educational framework based on real-world problems and applications </a:t>
             </a:r>
-            <a:endParaRPr lang="en-US" sz="4400">
+            <a:endParaRPr lang="en-US" sz="4400" dirty="0">
               <a:latin typeface="Garamond" panose="02020404030301010803" pitchFamily="18" charset="0"/>
             </a:endParaRPr>
           </a:p>
@@ -4486,7 +4486,7 @@
               <a:buChar char="•"/>
             </a:pPr>
             <a:r>
-              <a:rPr lang="en-US" sz="4400">
+              <a:rPr lang="en-US" sz="4400" dirty="0">
                 <a:latin typeface="Garamond"/>
               </a:rPr>
               <a:t>Increases student likelihood to be engaged in the classroom</a:t>
@@ -4494,12 +4494,12 @@
           </a:p>
           <a:p>
             <a:r>
-              <a:rPr lang="en-US" sz="4400">
+              <a:rPr lang="en-US" sz="4400" dirty="0">
                 <a:latin typeface="Garamond"/>
               </a:rPr>
               <a:t>The St. Lawrence chapter of SCORE focuses on using non-traditional sports data to develop introductory- level statistics resources for educators. </a:t>
             </a:r>
-            <a:endParaRPr lang="en-US" sz="4400">
+            <a:endParaRPr lang="en-US" sz="4400" dirty="0">
               <a:latin typeface="Garamond" panose="02020404030301010803" pitchFamily="18" charset="0"/>
             </a:endParaRPr>
           </a:p>
@@ -4535,7 +4535,7 @@
           <a:p>
             <a:pPr algn="ctr"/>
             <a:r>
-              <a:rPr lang="en-US" sz="5400" b="1">
+              <a:rPr lang="en-US" sz="5400" b="1" dirty="0">
                 <a:solidFill>
                   <a:srgbClr val="C00000"/>
                 </a:solidFill>
@@ -4544,7 +4544,7 @@
               <a:t>Nordic Ski: Randomized Block and </a:t>
             </a:r>
             <a:r>
-              <a:rPr lang="en-US" sz="5400" b="1" err="1">
+              <a:rPr lang="en-US" sz="5400" b="1" dirty="0" err="1">
                 <a:solidFill>
                   <a:srgbClr val="C00000"/>
                 </a:solidFill>
@@ -4552,7 +4552,7 @@
               </a:rPr>
               <a:t>dplyr</a:t>
             </a:r>
-            <a:endParaRPr lang="en-US" sz="5400" b="1" err="1">
+            <a:endParaRPr lang="en-US" sz="5400" b="1" dirty="0">
               <a:solidFill>
                 <a:srgbClr val="C00000"/>
               </a:solidFill>
@@ -4561,13 +4561,13 @@
           </a:p>
           <a:p>
             <a:r>
-              <a:rPr lang="en-US" sz="4400" b="1">
+              <a:rPr lang="en-US" sz="4400" b="1" dirty="0">
                 <a:latin typeface="Garamond"/>
               </a:rPr>
               <a:t>Data Info: </a:t>
             </a:r>
             <a:r>
-              <a:rPr lang="en-US" sz="4400">
+              <a:rPr lang="en-US" sz="4400" dirty="0">
                 <a:latin typeface="Garamond"/>
                 <a:ea typeface="+mn-lt"/>
                 <a:cs typeface="+mn-lt"/>
@@ -4575,13 +4575,13 @@
               <a:t>Data scraped</a:t>
             </a:r>
             <a:r>
-              <a:rPr lang="en-US" sz="4400">
+              <a:rPr lang="en-US" sz="4400" dirty="0">
                 <a:latin typeface="Garamond"/>
               </a:rPr>
               <a:t> from the FIS website </a:t>
             </a:r>
             <a:r>
-              <a:rPr lang="en-US" sz="4400">
+              <a:rPr lang="en-US" sz="4400" dirty="0">
                 <a:latin typeface="Garamond"/>
                 <a:ea typeface="+mn-lt"/>
                 <a:cs typeface="+mn-lt"/>
@@ -4589,7 +4589,7 @@
               <a:t>about a women's 10k race in Norway. </a:t>
             </a:r>
             <a:r>
-              <a:rPr lang="en-US" sz="4400">
+              <a:rPr lang="en-US" sz="4400" dirty="0">
                 <a:latin typeface="Garamond"/>
               </a:rPr>
               <a:t>The dataset has 61 skiers with 20 variables at 1.3k, 4.3k, 7.5k, and 10k intervals</a:t>
@@ -4627,7 +4627,7 @@
           <a:p>
             <a:pPr algn="ctr"/>
             <a:r>
-              <a:rPr lang="en-US" sz="6000" b="1">
+              <a:rPr lang="en-US" sz="5400" b="1" dirty="0">
                 <a:solidFill>
                   <a:srgbClr val="C00000"/>
                 </a:solidFill>
@@ -4638,7 +4638,7 @@
           </a:p>
           <a:p>
             <a:r>
-              <a:rPr lang="en-US" sz="4400">
+              <a:rPr lang="en-US" sz="4400" dirty="0">
                 <a:latin typeface="Garamond"/>
               </a:rPr>
               <a:t>Datasets in the SCORE repository come from a variety of sports, and consist of…</a:t>
@@ -4650,7 +4650,7 @@
               <a:buChar char="•"/>
             </a:pPr>
             <a:r>
-              <a:rPr lang="en-US" sz="4400">
+              <a:rPr lang="en-US" sz="4400" dirty="0">
                 <a:latin typeface="Garamond"/>
               </a:rPr>
               <a:t>The motivation behind using the data</a:t>
@@ -4662,7 +4662,7 @@
               <a:buChar char="•"/>
             </a:pPr>
             <a:r>
-              <a:rPr lang="en-US" sz="4400">
+              <a:rPr lang="en-US" sz="4400" dirty="0">
                 <a:latin typeface="Garamond"/>
               </a:rPr>
               <a:t>A description of the dataset (size and variables)</a:t>
@@ -4674,7 +4674,7 @@
               <a:buChar char="•"/>
             </a:pPr>
             <a:r>
-              <a:rPr lang="en-US" sz="4400">
+              <a:rPr lang="en-US" sz="4400" dirty="0">
                 <a:latin typeface="Garamond"/>
               </a:rPr>
               <a:t>A variety of questions that could be answered using the data</a:t>
@@ -4682,7 +4682,7 @@
           </a:p>
           <a:p>
             <a:r>
-              <a:rPr lang="en-US" sz="4400">
+              <a:rPr lang="en-US" sz="4400" dirty="0">
                 <a:latin typeface="Garamond"/>
               </a:rPr>
               <a:t>Each of the datasets highlighted in</a:t>
@@ -4690,34 +4690,34 @@
           </a:p>
           <a:p>
             <a:r>
-              <a:rPr lang="en-US" sz="4400">
+              <a:rPr lang="en-US" sz="4400" dirty="0">
                 <a:latin typeface="Garamond"/>
               </a:rPr>
               <a:t>the previous sections has been published</a:t>
             </a:r>
-            <a:endParaRPr lang="en-US" sz="7250">
+            <a:endParaRPr lang="en-US" sz="7250" dirty="0">
               <a:latin typeface="Garamond"/>
             </a:endParaRPr>
           </a:p>
           <a:p>
             <a:r>
-              <a:rPr lang="en-US" sz="4400">
-                <a:latin typeface="Garamond"/>
-              </a:rPr>
-              <a:t> in the SCORE Data Repository to be </a:t>
-            </a:r>
-            <a:endParaRPr lang="en-US" sz="7250">
-              <a:latin typeface="Garamond"/>
-            </a:endParaRPr>
-          </a:p>
-          <a:p>
-            <a:r>
-              <a:rPr lang="en-US" sz="4400">
-                <a:latin typeface="Garamond"/>
-              </a:rPr>
-              <a:t>used internationally</a:t>
-            </a:r>
-            <a:endParaRPr lang="en-US" sz="7250">
+              <a:rPr lang="en-US" sz="4400" dirty="0">
+                <a:latin typeface="Garamond"/>
+              </a:rPr>
+              <a:t>in the publicly available SCORE </a:t>
+            </a:r>
+            <a:br>
+              <a:rPr lang="en-US" sz="4400" dirty="0">
+                <a:latin typeface="Garamond"/>
+              </a:rPr>
+            </a:br>
+            <a:r>
+              <a:rPr lang="en-US" sz="4400" dirty="0">
+                <a:latin typeface="Garamond"/>
+              </a:rPr>
+              <a:t>Data Repository</a:t>
+            </a:r>
+            <a:endParaRPr lang="en-US" sz="7250" dirty="0">
               <a:latin typeface="Garamond"/>
             </a:endParaRPr>
           </a:p>
@@ -4738,7 +4738,7 @@
         <p:spPr>
           <a:xfrm>
             <a:off x="15647050" y="14537907"/>
-            <a:ext cx="12714514" cy="1015663"/>
+            <a:ext cx="12714514" cy="923330"/>
           </a:xfrm>
           <a:prstGeom prst="rect">
             <a:avLst/>
@@ -4753,7 +4753,7 @@
           <a:p>
             <a:pPr algn="ctr"/>
             <a:r>
-              <a:rPr lang="en-US" sz="6000" b="1">
+              <a:rPr lang="en-US" sz="5400" b="1" dirty="0">
                 <a:solidFill>
                   <a:srgbClr val="C00000"/>
                 </a:solidFill>
@@ -4779,7 +4779,7 @@
         <p:spPr>
           <a:xfrm>
             <a:off x="15647050" y="5606360"/>
-            <a:ext cx="12714514" cy="1938992"/>
+            <a:ext cx="12714514" cy="1754326"/>
           </a:xfrm>
           <a:prstGeom prst="rect">
             <a:avLst/>
@@ -4794,7 +4794,7 @@
           <a:p>
             <a:pPr algn="ctr"/>
             <a:r>
-              <a:rPr lang="en-US" sz="6000" b="1">
+              <a:rPr lang="en-US" sz="5400" b="1" dirty="0">
                 <a:solidFill>
                   <a:srgbClr val="C00000"/>
                 </a:solidFill>
@@ -4802,7 +4802,7 @@
               </a:rPr>
               <a:t>Olympic Medals: Data Cleaning and Summarization</a:t>
             </a:r>
-            <a:endParaRPr lang="en-US" sz="6000" b="1">
+            <a:endParaRPr lang="en-US" sz="5400" b="1" dirty="0">
               <a:solidFill>
                 <a:srgbClr val="C00000"/>
               </a:solidFill>
@@ -4841,15 +4841,32 @@
           <a:p>
             <a:pPr algn="ctr"/>
             <a:r>
-              <a:rPr lang="en-US" sz="6000" b="1">
+              <a:rPr lang="en-US" sz="5400" b="1" dirty="0">
                 <a:solidFill>
                   <a:srgbClr val="C00000"/>
                 </a:solidFill>
                 <a:latin typeface="Garamond"/>
               </a:rPr>
-              <a:t>Giant Slalom: Paired Data and Data Tidying</a:t>
-            </a:r>
-            <a:endParaRPr lang="en-US" sz="6000" b="1">
+              <a:t>Giant Slalom: Paired Data and </a:t>
+            </a:r>
+            <a:br>
+              <a:rPr lang="en-US" sz="5400" b="1" dirty="0">
+                <a:solidFill>
+                  <a:srgbClr val="C00000"/>
+                </a:solidFill>
+                <a:latin typeface="Garamond"/>
+              </a:rPr>
+            </a:br>
+            <a:r>
+              <a:rPr lang="en-US" sz="5400" b="1" dirty="0">
+                <a:solidFill>
+                  <a:srgbClr val="C00000"/>
+                </a:solidFill>
+                <a:latin typeface="Garamond"/>
+              </a:rPr>
+              <a:t>Data Tidying</a:t>
+            </a:r>
+            <a:endParaRPr lang="en-US" sz="5400" b="1" dirty="0">
               <a:solidFill>
                 <a:srgbClr val="C00000"/>
               </a:solidFill>
@@ -4858,24 +4875,24 @@
           </a:p>
           <a:p>
             <a:r>
-              <a:rPr lang="en-US" sz="4400" b="1">
+              <a:rPr lang="en-US" sz="4400" b="1" dirty="0">
                 <a:latin typeface="Garamond"/>
               </a:rPr>
               <a:t>Data Info: </a:t>
             </a:r>
             <a:r>
-              <a:rPr lang="en-US" sz="4400">
+              <a:rPr lang="en-US" sz="4400" dirty="0">
                 <a:latin typeface="Garamond"/>
               </a:rPr>
               <a:t>Alpine ski data scraped from FIS website containing information on two runs of women's GS at Mont Tremblant</a:t>
             </a:r>
-            <a:endParaRPr lang="en-US" sz="4400">
+            <a:endParaRPr lang="en-US" sz="4400" dirty="0">
               <a:latin typeface="Garamond" panose="02020404030301010803" pitchFamily="18" charset="0"/>
             </a:endParaRPr>
           </a:p>
           <a:p>
             <a:r>
-              <a:rPr lang="en-US" sz="4400" b="1">
+              <a:rPr lang="en-US" sz="4400" b="1" dirty="0">
                 <a:latin typeface="Garamond"/>
               </a:rPr>
               <a:t>Module Goals:</a:t>
@@ -4887,18 +4904,18 @@
               <a:buChar char="•"/>
             </a:pPr>
             <a:r>
-              <a:rPr lang="en-US" sz="4400">
+              <a:rPr lang="en-US" sz="4400" dirty="0">
                 <a:latin typeface="Garamond"/>
               </a:rPr>
               <a:t>Use paired data to perform a test for </a:t>
             </a:r>
             <a:br>
-              <a:rPr lang="en-US" sz="4400">
+              <a:rPr lang="en-US" sz="4400" dirty="0">
                 <a:latin typeface="Garamond"/>
               </a:rPr>
             </a:br>
             <a:r>
-              <a:rPr lang="en-US" sz="4400">
+              <a:rPr lang="en-US" sz="4400" dirty="0">
                 <a:latin typeface="Garamond"/>
               </a:rPr>
               <a:t>difference in means, find a confidence interval, obtain summary statistics, and interpret findings</a:t>
@@ -4910,31 +4927,34 @@
               <a:buChar char="•"/>
             </a:pPr>
             <a:r>
-              <a:rPr lang="en-US" sz="4400">
+              <a:rPr lang="en-US" sz="4400" dirty="0">
                 <a:latin typeface="Garamond"/>
               </a:rPr>
               <a:t>Clean an untidy data set using </a:t>
             </a:r>
             <a:r>
-              <a:rPr lang="en-US" sz="4400" err="1">
-                <a:latin typeface="Garamond"/>
+              <a:rPr lang="en-US" sz="4400" dirty="0" err="1">
+                <a:latin typeface="Garamond" panose="02020404030301010803" pitchFamily="18" charset="0"/>
+                <a:cs typeface="Courier New" panose="02070309020205020404" pitchFamily="49" charset="0"/>
               </a:rPr>
               <a:t>tidyr</a:t>
             </a:r>
             <a:r>
-              <a:rPr lang="en-US" sz="4400">
+              <a:rPr lang="en-US" sz="4400" dirty="0">
                 <a:latin typeface="Garamond"/>
               </a:rPr>
               <a:t> and </a:t>
             </a:r>
             <a:r>
-              <a:rPr lang="en-US" sz="4400" err="1">
-                <a:latin typeface="Garamond"/>
+              <a:rPr lang="en-US" sz="4400" dirty="0" err="1">
+                <a:latin typeface="Garamond" panose="02020404030301010803" pitchFamily="18" charset="0"/>
+                <a:cs typeface="Courier New" panose="02070309020205020404" pitchFamily="49" charset="0"/>
               </a:rPr>
               <a:t>dplyr</a:t>
             </a:r>
-            <a:endParaRPr lang="en-US" sz="4400">
-              <a:latin typeface="Garamond"/>
+            <a:endParaRPr lang="en-US" sz="4400" dirty="0">
+              <a:latin typeface="Garamond" panose="02020404030301010803" pitchFamily="18" charset="0"/>
+              <a:cs typeface="Courier New" panose="02070309020205020404" pitchFamily="49" charset="0"/>
             </a:endParaRPr>
           </a:p>
         </p:txBody>
@@ -4969,24 +4989,41 @@
           <a:p>
             <a:pPr algn="ctr"/>
             <a:r>
-              <a:rPr lang="en-US" sz="6000" b="1">
+              <a:rPr lang="en-US" sz="5400" b="1" dirty="0">
                 <a:solidFill>
                   <a:srgbClr val="C00000"/>
                 </a:solidFill>
                 <a:latin typeface="Garamond"/>
               </a:rPr>
-              <a:t>Diving: Difference in Means Hypothesis Tests</a:t>
-            </a:r>
-          </a:p>
-          <a:p>
-            <a:r>
-              <a:rPr lang="en-US" sz="4400" b="1">
+              <a:t>Diving: Difference in Means </a:t>
+            </a:r>
+            <a:br>
+              <a:rPr lang="en-US" sz="5400" b="1" dirty="0">
+                <a:solidFill>
+                  <a:srgbClr val="C00000"/>
+                </a:solidFill>
+                <a:latin typeface="Garamond"/>
+              </a:rPr>
+            </a:br>
+            <a:r>
+              <a:rPr lang="en-US" sz="5400" b="1" dirty="0">
+                <a:solidFill>
+                  <a:srgbClr val="C00000"/>
+                </a:solidFill>
+                <a:latin typeface="Garamond"/>
+              </a:rPr>
+              <a:t>Hypothesis Tests</a:t>
+            </a:r>
+          </a:p>
+          <a:p>
+            <a:r>
+              <a:rPr lang="en-US" sz="4400" b="1" dirty="0">
                 <a:latin typeface="Garamond"/>
               </a:rPr>
               <a:t>Data Info:</a:t>
             </a:r>
             <a:r>
-              <a:rPr lang="en-US" sz="4400">
+              <a:rPr lang="en-US" sz="4400" dirty="0">
                 <a:latin typeface="Garamond"/>
               </a:rPr>
               <a:t> Diving results from the 2022 FINA Junior World Championships from women divers aged 16 – 18.</a:t>
@@ -4994,24 +5031,24 @@
           </a:p>
           <a:p>
             <a:r>
-              <a:rPr lang="en-US" sz="1050">
+              <a:rPr lang="en-US" sz="1050" dirty="0">
                 <a:ea typeface="Calibri"/>
                 <a:cs typeface="Calibri"/>
               </a:rPr>
               <a:t>--</a:t>
             </a:r>
-            <a:endParaRPr lang="en-US" sz="7250">
+            <a:endParaRPr lang="en-US" sz="7250" dirty="0">
               <a:cs typeface="Calibri"/>
             </a:endParaRPr>
           </a:p>
           <a:p>
             <a:r>
-              <a:rPr lang="en-US" sz="4400" b="1">
+              <a:rPr lang="en-US" sz="4400" b="1" dirty="0">
                 <a:latin typeface="Garamond"/>
               </a:rPr>
               <a:t>Module Goals:</a:t>
             </a:r>
-            <a:endParaRPr lang="en-US" sz="4400">
+            <a:endParaRPr lang="en-US" sz="4400" dirty="0">
               <a:latin typeface="Garamond" panose="02020404030301010803" pitchFamily="18" charset="0"/>
             </a:endParaRPr>
           </a:p>
@@ -5021,45 +5058,45 @@
               <a:buChar char="•"/>
             </a:pPr>
             <a:r>
-              <a:rPr lang="en-US" sz="4400">
+              <a:rPr lang="en-US" sz="4400" dirty="0">
                 <a:latin typeface="Garamond"/>
               </a:rPr>
               <a:t>Conduct difference in means </a:t>
             </a:r>
             <a:br>
-              <a:rPr lang="en-US" sz="4400">
+              <a:rPr lang="en-US" sz="4400" dirty="0">
                 <a:latin typeface="Garamond"/>
               </a:rPr>
             </a:br>
             <a:r>
-              <a:rPr lang="en-US" sz="4400">
+              <a:rPr lang="en-US" sz="4400" dirty="0">
                 <a:latin typeface="Garamond"/>
               </a:rPr>
               <a:t>hypothesis tests to test if there </a:t>
             </a:r>
             <a:br>
-              <a:rPr lang="en-US" sz="4400">
+              <a:rPr lang="en-US" sz="4400" dirty="0">
                 <a:latin typeface="Garamond"/>
               </a:rPr>
             </a:br>
             <a:r>
-              <a:rPr lang="en-US" sz="4400">
+              <a:rPr lang="en-US" sz="4400" dirty="0">
                 <a:latin typeface="Garamond"/>
               </a:rPr>
               <a:t>is a significant difference in mean </a:t>
             </a:r>
             <a:br>
-              <a:rPr lang="en-US" sz="4400">
+              <a:rPr lang="en-US" sz="4400" dirty="0">
                 <a:latin typeface="Garamond"/>
               </a:rPr>
             </a:br>
             <a:r>
-              <a:rPr lang="en-US" sz="4400">
+              <a:rPr lang="en-US" sz="4400" dirty="0">
                 <a:latin typeface="Garamond"/>
               </a:rPr>
               <a:t>points scored between divers of  different ages</a:t>
             </a:r>
-            <a:endParaRPr lang="en-US" sz="4400">
+            <a:endParaRPr lang="en-US" sz="4400" dirty="0">
               <a:latin typeface="Garamond" panose="02020404030301010803" pitchFamily="18" charset="0"/>
             </a:endParaRPr>
           </a:p>
@@ -5069,12 +5106,12 @@
               <a:buChar char="•"/>
             </a:pPr>
             <a:r>
-              <a:rPr lang="en-US" sz="4400">
+              <a:rPr lang="en-US" sz="4400" dirty="0">
                 <a:latin typeface="Garamond"/>
               </a:rPr>
               <a:t>Practice conducting hypothesis tests in R or by hand.</a:t>
             </a:r>
-            <a:endParaRPr lang="en-US" sz="4400">
+            <a:endParaRPr lang="en-US" sz="4400" dirty="0">
               <a:latin typeface="Garamond" panose="02020404030301010803" pitchFamily="18" charset="0"/>
             </a:endParaRPr>
           </a:p>
@@ -5083,7 +5120,7 @@
               <a:buFont typeface="Arial"/>
               <a:buChar char="•"/>
             </a:pPr>
-            <a:endParaRPr lang="en-US" sz="4400">
+            <a:endParaRPr lang="en-US" sz="4400" dirty="0">
               <a:solidFill>
                 <a:srgbClr val="C00000"/>
               </a:solidFill>
@@ -5095,7 +5132,7 @@
               <a:buFont typeface="Arial"/>
               <a:buChar char="•"/>
             </a:pPr>
-            <a:endParaRPr lang="en-US" sz="4400">
+            <a:endParaRPr lang="en-US" sz="4400" dirty="0">
               <a:solidFill>
                 <a:srgbClr val="C00000"/>
               </a:solidFill>
@@ -5118,7 +5155,7 @@
         </p:nvSpPr>
         <p:spPr>
           <a:xfrm>
-            <a:off x="15624883" y="23616232"/>
+            <a:off x="15624187" y="23663367"/>
             <a:ext cx="12714514" cy="1754326"/>
           </a:xfrm>
           <a:prstGeom prst="rect">
@@ -5134,13 +5171,13 @@
           <a:p>
             <a:pPr algn="ctr"/>
             <a:r>
-              <a:rPr lang="en-US" sz="5400" b="1">
+              <a:rPr lang="en-US" sz="5400" b="1" dirty="0">
                 <a:solidFill>
                   <a:srgbClr val="C00000"/>
                 </a:solidFill>
                 <a:latin typeface="Garamond" panose="02020404030301010803" pitchFamily="18" charset="0"/>
               </a:rPr>
-              <a:t>League of Legends: Chi-squared Distribution </a:t>
+              <a:t>League of Legends: Chi-Squared Distribution </a:t>
             </a:r>
           </a:p>
         </p:txBody>
@@ -5175,7 +5212,7 @@
           <a:p>
             <a:pPr algn="r"/>
             <a:r>
-              <a:rPr lang="en-US" sz="4400">
+              <a:rPr lang="en-US" sz="4400" dirty="0">
                 <a:solidFill>
                   <a:srgbClr val="C00000"/>
                 </a:solidFill>
@@ -5185,7 +5222,7 @@
               </a:rPr>
               <a:t>Eric Seltzer (Data Science and Finance)</a:t>
             </a:r>
-            <a:endParaRPr lang="en-US" sz="4400">
+            <a:endParaRPr lang="en-US" sz="4400" dirty="0">
               <a:latin typeface="Garamond"/>
               <a:cs typeface="Calibri" panose="020F0502020204030204"/>
             </a:endParaRPr>
@@ -5222,7 +5259,7 @@
           <a:p>
             <a:pPr algn="r"/>
             <a:r>
-              <a:rPr lang="en-US" sz="4400">
+              <a:rPr lang="en-US" sz="4400" dirty="0">
                 <a:solidFill>
                   <a:srgbClr val="C00000"/>
                 </a:solidFill>
@@ -5230,7 +5267,7 @@
               </a:rPr>
               <a:t>Emma Deering (Data Science and Geology)</a:t>
             </a:r>
-            <a:endParaRPr lang="en-US" sz="4400">
+            <a:endParaRPr lang="en-US" sz="4400" dirty="0">
               <a:latin typeface="Garamond"/>
             </a:endParaRPr>
           </a:p>
@@ -5266,7 +5303,7 @@
           <a:p>
             <a:pPr algn="r"/>
             <a:r>
-              <a:rPr lang="en-US" sz="4400">
+              <a:rPr lang="en-US" sz="4400" dirty="0">
                 <a:solidFill>
                   <a:srgbClr val="C00000"/>
                 </a:solidFill>
@@ -5274,7 +5311,7 @@
               </a:rPr>
               <a:t>Norah Kuduk (Computer Science and Statistics)</a:t>
             </a:r>
-            <a:endParaRPr lang="en-US" sz="4400"/>
+            <a:endParaRPr lang="en-US" sz="4400" dirty="0"/>
           </a:p>
         </p:txBody>
       </p:sp>
@@ -5308,7 +5345,7 @@
           <a:p>
             <a:pPr algn="r"/>
             <a:r>
-              <a:rPr lang="en-US" sz="4400">
+              <a:rPr lang="en-US" sz="4400" dirty="0">
                 <a:solidFill>
                   <a:srgbClr val="C00000"/>
                 </a:solidFill>
@@ -5316,7 +5353,7 @@
               </a:rPr>
               <a:t>George Charalambous (Data Science) </a:t>
             </a:r>
-            <a:endParaRPr lang="en-US" sz="4400"/>
+            <a:endParaRPr lang="en-US" sz="4400" dirty="0"/>
           </a:p>
         </p:txBody>
       </p:sp>
@@ -5350,7 +5387,7 @@
           <a:p>
             <a:pPr algn="r"/>
             <a:r>
-              <a:rPr lang="en-US" sz="4400">
+              <a:rPr lang="en-US" sz="4400" dirty="0">
                 <a:solidFill>
                   <a:srgbClr val="C00000"/>
                 </a:solidFill>
@@ -5358,7 +5395,7 @@
               </a:rPr>
               <a:t>Abigail Winston Smith (Data Science and History)</a:t>
             </a:r>
-            <a:endParaRPr lang="en-US" sz="4400">
+            <a:endParaRPr lang="en-US" sz="4400" dirty="0">
               <a:latin typeface="Garamond"/>
             </a:endParaRPr>
           </a:p>
@@ -5605,7 +5642,7 @@
           <a:lstStyle/>
           <a:p>
             <a:r>
-              <a:rPr lang="en-US" sz="4400" b="1">
+              <a:rPr lang="en-US" sz="4400" b="1" dirty="0">
                 <a:latin typeface="Garamond"/>
               </a:rPr>
               <a:t>Module Goals:</a:t>
@@ -5617,7 +5654,7 @@
               <a:buChar char="•"/>
             </a:pPr>
             <a:r>
-              <a:rPr lang="en-US" sz="4400">
+              <a:rPr lang="en-US" sz="4400" dirty="0">
                 <a:latin typeface="Garamond"/>
               </a:rPr>
               <a:t>Understand histograms and outliers and their relevance in statistical analysis.</a:t>
@@ -5629,7 +5666,7 @@
               <a:buChar char="•"/>
             </a:pPr>
             <a:r>
-              <a:rPr lang="en-US" sz="4400">
+              <a:rPr lang="en-US" sz="4400" dirty="0">
                 <a:latin typeface="Garamond"/>
               </a:rPr>
               <a:t>Highlight use of summary statistics in outlier detection</a:t>
@@ -5666,13 +5703,13 @@
           <a:lstStyle/>
           <a:p>
             <a:r>
-              <a:rPr lang="en-US" sz="4400" b="1">
+              <a:rPr lang="en-US" sz="4400" b="1" dirty="0">
                 <a:latin typeface="Garamond"/>
               </a:rPr>
               <a:t>Data Info: </a:t>
             </a:r>
             <a:r>
-              <a:rPr lang="en-US" sz="4400">
+              <a:rPr lang="en-US" sz="4400" dirty="0">
                 <a:latin typeface="Garamond"/>
               </a:rPr>
               <a:t>Lap times for each driver (and constructor) that participated in the 2023 F1 Miami Grand Prix</a:t>
@@ -5798,7 +5835,7 @@
         <p:spPr>
           <a:xfrm>
             <a:off x="15602716" y="26520890"/>
-            <a:ext cx="7991051" cy="5509200"/>
+            <a:ext cx="7991051" cy="4832092"/>
           </a:xfrm>
           <a:prstGeom prst="rect">
             <a:avLst/>
@@ -5812,7 +5849,7 @@
           <a:lstStyle/>
           <a:p>
             <a:r>
-              <a:rPr lang="en-US" sz="4400" b="1">
+              <a:rPr lang="en-US" sz="4400" b="1" dirty="0">
                 <a:latin typeface="Garamond"/>
               </a:rPr>
               <a:t>Module Goals:</a:t>
@@ -5824,10 +5861,10 @@
               <a:buChar char="•"/>
             </a:pPr>
             <a:r>
-              <a:rPr lang="en-US" sz="4400">
-                <a:latin typeface="Garamond"/>
-              </a:rPr>
-              <a:t>Utilize Chi-Squared analysis to explore significant relationships between top and bottom five most popular champions</a:t>
+              <a:rPr lang="en-US" sz="4400" dirty="0">
+                <a:latin typeface="Garamond"/>
+              </a:rPr>
+              <a:t>Utilize Chi-Squared analysis to explore relationships between popular champions</a:t>
             </a:r>
           </a:p>
           <a:p>
@@ -5836,14 +5873,14 @@
               <a:buChar char="•"/>
             </a:pPr>
             <a:r>
-              <a:rPr lang="en-US" sz="4400">
+              <a:rPr lang="en-US" sz="4400" dirty="0">
                 <a:latin typeface="Garamond"/>
               </a:rPr>
               <a:t>Understand use of Chi-Squared to identify statistical significance</a:t>
             </a:r>
           </a:p>
           <a:p>
-            <a:endParaRPr lang="en-US" sz="4400">
+            <a:endParaRPr lang="en-US" sz="4400" dirty="0">
               <a:latin typeface="Garamond" panose="02020404030301010803" pitchFamily="18" charset="0"/>
             </a:endParaRPr>
           </a:p>
@@ -5908,7 +5945,7 @@
           <a:lstStyle/>
           <a:p>
             <a:r>
-              <a:rPr lang="en-US" sz="4400" b="1">
+              <a:rPr lang="en-US" sz="4400" b="1" dirty="0">
                 <a:latin typeface="Garamond"/>
               </a:rPr>
               <a:t>Module Goals:</a:t>
@@ -5920,7 +5957,7 @@
               <a:buChar char="•"/>
             </a:pPr>
             <a:r>
-              <a:rPr lang="en-US" sz="4400">
+              <a:rPr lang="en-US" sz="4400" dirty="0">
                 <a:latin typeface="Garamond"/>
               </a:rPr>
               <a:t>Use randomized block design to assess difference in mean speed based on skier and distance interval </a:t>
@@ -5932,19 +5969,19 @@
               <a:buChar char="•"/>
             </a:pPr>
             <a:r>
-              <a:rPr lang="en-US" sz="4400">
+              <a:rPr lang="en-US" sz="4400" dirty="0">
                 <a:latin typeface="Garamond"/>
               </a:rPr>
               <a:t>Use </a:t>
             </a:r>
             <a:r>
-              <a:rPr lang="en-US" sz="4400" err="1">
-                <a:latin typeface="Garamond"/>
+              <a:rPr lang="en-US" sz="4400" dirty="0" err="1">
+                <a:latin typeface="Garamond" panose="02020404030301010803" pitchFamily="18" charset="0"/>
               </a:rPr>
               <a:t>dplyr</a:t>
             </a:r>
             <a:r>
-              <a:rPr lang="en-US" sz="4400">
+              <a:rPr lang="en-US" sz="4400" dirty="0">
                 <a:latin typeface="Garamond"/>
               </a:rPr>
               <a:t> to calculate the speed of each skier at each distance </a:t>
@@ -5967,7 +6004,7 @@
         <p:spPr>
           <a:xfrm>
             <a:off x="1286268" y="14464112"/>
-            <a:ext cx="12714514" cy="8463855"/>
+            <a:ext cx="12714514" cy="8679299"/>
           </a:xfrm>
           <a:prstGeom prst="rect">
             <a:avLst/>
@@ -5982,7 +6019,7 @@
           <a:p>
             <a:pPr algn="ctr"/>
             <a:r>
-              <a:rPr lang="en-US" sz="6000" b="1">
+              <a:rPr lang="en-US" sz="5400" b="1" dirty="0">
                 <a:solidFill>
                   <a:srgbClr val="C00000"/>
                 </a:solidFill>
@@ -5993,14 +6030,19 @@
             </a:r>
           </a:p>
           <a:p>
-            <a:r>
-              <a:rPr lang="en-US" sz="4400" b="1">
+            <a:endParaRPr lang="en-US" sz="1400" b="1" dirty="0">
+              <a:latin typeface="Garamond"/>
+            </a:endParaRPr>
+          </a:p>
+          <a:p>
+            <a:r>
+              <a:rPr lang="en-US" sz="4400" b="1" dirty="0">
                 <a:latin typeface="Garamond"/>
               </a:rPr>
               <a:t>Data Info:</a:t>
             </a:r>
             <a:r>
-              <a:rPr lang="en-US" sz="4400">
+              <a:rPr lang="en-US" sz="4400" dirty="0">
                 <a:latin typeface="Garamond"/>
               </a:rPr>
               <a:t> Defense and striking statistics for each fighter that competed in the UFC from 1993 to 2021.</a:t>
@@ -6008,7 +6050,7 @@
           </a:p>
           <a:p>
             <a:r>
-              <a:rPr lang="en-US" sz="4400" b="1">
+              <a:rPr lang="en-US" sz="4400" b="1" dirty="0">
                 <a:latin typeface="Garamond"/>
               </a:rPr>
               <a:t>Module Goals:</a:t>
@@ -6020,18 +6062,18 @@
               <a:buChar char="•"/>
             </a:pPr>
             <a:r>
-              <a:rPr lang="en-US" sz="4400">
+              <a:rPr lang="en-US" sz="4400" dirty="0">
                 <a:latin typeface="Garamond"/>
               </a:rPr>
               <a:t>Using the Normal distribution </a:t>
             </a:r>
             <a:br>
-              <a:rPr lang="en-US" sz="4400">
+              <a:rPr lang="en-US" sz="4400" dirty="0">
                 <a:latin typeface="Garamond"/>
               </a:rPr>
             </a:br>
             <a:r>
-              <a:rPr lang="en-US" sz="4400">
+              <a:rPr lang="en-US" sz="4400" dirty="0">
                 <a:latin typeface="Garamond"/>
               </a:rPr>
               <a:t>in a real-world application </a:t>
@@ -6043,18 +6085,18 @@
               <a:buChar char="•"/>
             </a:pPr>
             <a:r>
-              <a:rPr lang="en-US" sz="4400">
+              <a:rPr lang="en-US" sz="4400" dirty="0">
                 <a:latin typeface="Garamond"/>
               </a:rPr>
               <a:t>Identifying proportions, quartiles</a:t>
             </a:r>
             <a:br>
-              <a:rPr lang="en-US" sz="4400">
+              <a:rPr lang="en-US" sz="4400" dirty="0">
                 <a:latin typeface="Garamond"/>
               </a:rPr>
             </a:br>
             <a:r>
-              <a:rPr lang="en-US" sz="4400">
+              <a:rPr lang="en-US" sz="4400" dirty="0">
                 <a:latin typeface="Garamond"/>
               </a:rPr>
               <a:t>and ranges</a:t>
@@ -6066,30 +6108,30 @@
               <a:buChar char="•"/>
             </a:pPr>
             <a:r>
-              <a:rPr lang="en-US" sz="4400">
+              <a:rPr lang="en-US" sz="4400" dirty="0">
                 <a:latin typeface="Garamond"/>
               </a:rPr>
               <a:t>Using </a:t>
             </a:r>
             <a:r>
-              <a:rPr lang="en-US" sz="4400" err="1">
+              <a:rPr lang="en-US" sz="4400" dirty="0" err="1">
                 <a:latin typeface="Garamond"/>
               </a:rPr>
               <a:t>StatKey</a:t>
             </a:r>
             <a:r>
-              <a:rPr lang="en-US" sz="4400">
+              <a:rPr lang="en-US" sz="4400" dirty="0">
                 <a:latin typeface="Garamond"/>
               </a:rPr>
               <a:t> given a mean and </a:t>
             </a:r>
             <a:br>
-              <a:rPr lang="en-US" sz="4400">
+              <a:rPr lang="en-US" sz="4400" dirty="0">
                 <a:latin typeface="Garamond"/>
               </a:rPr>
             </a:br>
             <a:r>
-              <a:rPr lang="en-US" sz="4400">
+              <a:rPr lang="en-US" sz="4400" dirty="0">
                 <a:latin typeface="Garamond"/>
               </a:rPr>
               <a:t>standard deviation</a:t>
@@ -6097,7 +6139,7 @@
           </a:p>
           <a:p>
             <a:r>
-              <a:rPr lang="en-US" sz="4400">
+              <a:rPr lang="en-US" sz="4400" dirty="0">
                 <a:solidFill>
                   <a:srgbClr val="C00000"/>
                 </a:solidFill>
@@ -6111,7 +6153,7 @@
               <a:buFont typeface="Arial"/>
               <a:buChar char="•"/>
             </a:pPr>
-            <a:endParaRPr lang="en-US" sz="4400">
+            <a:endParaRPr lang="en-US" sz="4400" dirty="0">
               <a:solidFill>
                 <a:srgbClr val="C00000"/>
               </a:solidFill>
@@ -6150,33 +6192,15 @@
           <a:p>
             <a:pPr algn="r"/>
             <a:r>
-              <a:rPr lang="en-US" sz="4400">
+              <a:rPr lang="en-US" sz="4400" dirty="0">
                 <a:solidFill>
                   <a:srgbClr val="C00000"/>
                 </a:solidFill>
                 <a:latin typeface="Garamond"/>
               </a:rPr>
-              <a:t>Brendan </a:t>
-            </a:r>
-            <a:r>
-              <a:rPr lang="en-US" sz="4400" err="1">
-                <a:solidFill>
-                  <a:srgbClr val="C00000"/>
-                </a:solidFill>
-                <a:latin typeface="Garamond"/>
-              </a:rPr>
-              <a:t>Karadenes</a:t>
-            </a:r>
-            <a:r>
-              <a:rPr lang="en-US" sz="4400">
-                <a:solidFill>
-                  <a:srgbClr val="C00000"/>
-                </a:solidFill>
-                <a:latin typeface="Garamond"/>
-              </a:rPr>
-              <a:t> (Data Science)</a:t>
-            </a:r>
-            <a:endParaRPr lang="en-US" sz="4400">
+              <a:t>Brendan Karadenes (Data Science)</a:t>
+            </a:r>
+            <a:endParaRPr lang="en-US" sz="4400" dirty="0">
               <a:latin typeface="Garamond"/>
             </a:endParaRPr>
           </a:p>
@@ -6320,13 +6344,13 @@
           <a:lstStyle/>
           <a:p>
             <a:r>
-              <a:rPr lang="en-US" sz="4400" b="1">
+              <a:rPr lang="en-US" sz="4400" b="1" dirty="0">
                 <a:latin typeface="Garamond"/>
               </a:rPr>
               <a:t>Data Info: </a:t>
             </a:r>
             <a:r>
-              <a:rPr lang="en-US" sz="4400">
+              <a:rPr lang="en-US" sz="4400" dirty="0">
                 <a:latin typeface="Garamond"/>
               </a:rPr>
               <a:t>Olympics info about both medals and athletes</a:t>
